--- a/IIHT-Capgemini Big Data Azure Training-Slide.pptx
+++ b/IIHT-Capgemini Big Data Azure Training-Slide.pptx
@@ -5,7 +5,7 @@
     <p:sldMasterId id="2147483659" r:id="rId1"/>
   </p:sldMasterIdLst>
   <p:notesMasterIdLst>
-    <p:notesMasterId r:id="rId91"/>
+    <p:notesMasterId r:id="rId92"/>
   </p:notesMasterIdLst>
   <p:sldIdLst>
     <p:sldId id="256" r:id="rId2"/>
@@ -97,16 +97,17 @@
     <p:sldId id="335" r:id="rId88"/>
     <p:sldId id="336" r:id="rId89"/>
     <p:sldId id="337" r:id="rId90"/>
+    <p:sldId id="345" r:id="rId91"/>
   </p:sldIdLst>
   <p:sldSz cx="9144000" cy="5143500" type="screen16x9"/>
   <p:notesSz cx="6858000" cy="9144000"/>
   <p:embeddedFontLst>
     <p:embeddedFont>
       <p:font typeface="Roboto" panose="02000000000000000000" pitchFamily="2" charset="0"/>
-      <p:regular r:id="rId92"/>
-      <p:bold r:id="rId93"/>
-      <p:italic r:id="rId94"/>
-      <p:boldItalic r:id="rId95"/>
+      <p:regular r:id="rId93"/>
+      <p:bold r:id="rId94"/>
+      <p:italic r:id="rId95"/>
+      <p:boldItalic r:id="rId96"/>
     </p:embeddedFont>
   </p:embeddedFontLst>
   <p:defaultTextStyle>
@@ -14280,7 +14281,7 @@
         </p:spPr>
         <p:txBody>
           <a:bodyPr spcFirstLastPara="1" wrap="square" lIns="91425" tIns="91425" rIns="91425" bIns="91425" anchor="t" anchorCtr="0">
-            <a:normAutofit fontScale="92500"/>
+            <a:normAutofit fontScale="92500" lnSpcReduction="20000"/>
           </a:bodyPr>
           <a:lstStyle/>
           <a:p>
@@ -14831,10 +14832,10 @@
               <a:buNone/>
             </a:pPr>
             <a:r>
-              <a:rPr lang="en-GB"/>
+              <a:rPr lang="en-GB" dirty="0"/>
               <a:t>Relational Model</a:t>
             </a:r>
-            <a:endParaRPr/>
+            <a:endParaRPr dirty="0"/>
           </a:p>
         </p:txBody>
       </p:sp>
@@ -24679,10 +24680,10 @@
               <a:buChar char="●"/>
             </a:pPr>
             <a:r>
-              <a:rPr lang="en-GB"/>
+              <a:rPr lang="en-GB" dirty="0"/>
               <a:t>ALTER DATABASE - Modifies a database </a:t>
             </a:r>
-            <a:endParaRPr/>
+            <a:endParaRPr dirty="0"/>
           </a:p>
           <a:p>
             <a:pPr marL="457200" lvl="0" indent="-342900" algn="l" rtl="0">
@@ -24696,10 +24697,10 @@
               <a:buChar char="●"/>
             </a:pPr>
             <a:r>
-              <a:rPr lang="en-GB"/>
+              <a:rPr lang="en-GB" dirty="0"/>
               <a:t>CREATE TABLE - Creates a new table</a:t>
             </a:r>
-            <a:endParaRPr/>
+            <a:endParaRPr dirty="0"/>
           </a:p>
           <a:p>
             <a:pPr marL="457200" lvl="0" indent="-342900" algn="l" rtl="0">
@@ -24713,10 +24714,10 @@
               <a:buChar char="●"/>
             </a:pPr>
             <a:r>
-              <a:rPr lang="en-GB"/>
+              <a:rPr lang="en-GB" dirty="0"/>
               <a:t>ALTER TABLE - modifies a table</a:t>
             </a:r>
-            <a:endParaRPr/>
+            <a:endParaRPr dirty="0"/>
           </a:p>
           <a:p>
             <a:pPr marL="457200" lvl="0" indent="-342900" algn="l" rtl="0">
@@ -24730,10 +24731,10 @@
               <a:buChar char="●"/>
             </a:pPr>
             <a:r>
-              <a:rPr lang="en-GB"/>
+              <a:rPr lang="en-GB" dirty="0"/>
               <a:t>DROP TABLE - deletes a table</a:t>
             </a:r>
-            <a:endParaRPr/>
+            <a:endParaRPr dirty="0"/>
           </a:p>
           <a:p>
             <a:pPr marL="457200" lvl="0" indent="-342900" algn="l" rtl="0">
@@ -24747,10 +24748,10 @@
               <a:buChar char="●"/>
             </a:pPr>
             <a:r>
-              <a:rPr lang="en-GB"/>
+              <a:rPr lang="en-GB" dirty="0"/>
               <a:t>TRUNCATE TABLE - deletes the data inside the table. But not the table itself</a:t>
             </a:r>
-            <a:endParaRPr/>
+            <a:endParaRPr dirty="0"/>
           </a:p>
           <a:p>
             <a:pPr marL="457200" lvl="0" indent="-342900" algn="l" rtl="0">
@@ -24764,14 +24765,30 @@
               <a:buChar char="●"/>
             </a:pPr>
             <a:r>
-              <a:rPr lang="en-GB"/>
+              <a:rPr lang="en-GB" dirty="0"/>
               <a:t>RENAME TABLE (TSQL) - </a:t>
             </a:r>
             <a:r>
-              <a:rPr lang="en-GB" sz="1200"/>
-              <a:t>This example renames the SQL table from “SalesTerritory” to “SalesTerr” in Sales schema. </a:t>
-            </a:r>
-            <a:endParaRPr sz="1200"/>
+              <a:rPr lang="en-GB" sz="1200" dirty="0"/>
+              <a:t>This example renames the SQL table from “</a:t>
+            </a:r>
+            <a:r>
+              <a:rPr lang="en-GB" sz="1200" dirty="0" err="1"/>
+              <a:t>SalesTerritory</a:t>
+            </a:r>
+            <a:r>
+              <a:rPr lang="en-GB" sz="1200" dirty="0"/>
+              <a:t>” to “</a:t>
+            </a:r>
+            <a:r>
+              <a:rPr lang="en-GB" sz="1200" dirty="0" err="1"/>
+              <a:t>SalesTerr</a:t>
+            </a:r>
+            <a:r>
+              <a:rPr lang="en-GB" sz="1200" dirty="0"/>
+              <a:t>” in Sales schema. </a:t>
+            </a:r>
+            <a:endParaRPr sz="1200" dirty="0"/>
           </a:p>
           <a:p>
             <a:pPr marL="457200" lvl="0" indent="0" algn="l" rtl="0">
@@ -24784,10 +24801,10 @@
               <a:buNone/>
             </a:pPr>
             <a:r>
-              <a:rPr lang="en-GB" sz="1200"/>
+              <a:rPr lang="en-GB" sz="1200" dirty="0"/>
               <a:t>USE AdventureWorks2012;</a:t>
             </a:r>
-            <a:endParaRPr sz="1200"/>
+            <a:endParaRPr sz="1200" dirty="0"/>
           </a:p>
           <a:p>
             <a:pPr marL="457200" lvl="0" indent="0" algn="l" rtl="0">
@@ -24800,10 +24817,10 @@
               <a:buNone/>
             </a:pPr>
             <a:r>
-              <a:rPr lang="en-GB" sz="1200"/>
+              <a:rPr lang="en-GB" sz="1200" dirty="0"/>
               <a:t>GO</a:t>
             </a:r>
-            <a:endParaRPr sz="1200"/>
+            <a:endParaRPr sz="1200" dirty="0"/>
           </a:p>
           <a:p>
             <a:pPr marL="457200" lvl="0" indent="0" algn="l" rtl="0">
@@ -24816,10 +24833,34 @@
               <a:buNone/>
             </a:pPr>
             <a:r>
-              <a:rPr lang="en-GB" sz="1200"/>
-              <a:t>EXEC sp_rename 'Sales.SalesTerritory', 'SalesTerr';</a:t>
-            </a:r>
-            <a:endParaRPr sz="1200"/>
+              <a:rPr lang="en-GB" sz="1200" dirty="0"/>
+              <a:t>EXEC </a:t>
+            </a:r>
+            <a:r>
+              <a:rPr lang="en-GB" sz="1200" dirty="0" err="1"/>
+              <a:t>sp_rename</a:t>
+            </a:r>
+            <a:r>
+              <a:rPr lang="en-GB" sz="1200" dirty="0"/>
+              <a:t> '</a:t>
+            </a:r>
+            <a:r>
+              <a:rPr lang="en-GB" sz="1200" dirty="0" err="1"/>
+              <a:t>Sales.SalesTerritory</a:t>
+            </a:r>
+            <a:r>
+              <a:rPr lang="en-GB" sz="1200" dirty="0"/>
+              <a:t>', '</a:t>
+            </a:r>
+            <a:r>
+              <a:rPr lang="en-GB" sz="1200" dirty="0" err="1"/>
+              <a:t>SalesTerr</a:t>
+            </a:r>
+            <a:r>
+              <a:rPr lang="en-GB" sz="1200" dirty="0"/>
+              <a:t>';</a:t>
+            </a:r>
+            <a:endParaRPr sz="1200" dirty="0"/>
           </a:p>
           <a:p>
             <a:pPr marL="457200" lvl="0" indent="0" algn="l" rtl="0">
@@ -24831,7 +24872,7 @@
               </a:spcAft>
               <a:buNone/>
             </a:pPr>
-            <a:endParaRPr/>
+            <a:endParaRPr dirty="0"/>
           </a:p>
         </p:txBody>
       </p:sp>
@@ -30467,7 +30508,7 @@
               <a:buNone/>
             </a:pPr>
             <a:r>
-              <a:rPr lang="en-GB" sz="1200">
+              <a:rPr lang="en-GB" sz="1200" dirty="0">
                 <a:solidFill>
                   <a:schemeClr val="dk1"/>
                 </a:solidFill>
@@ -30482,7 +30523,7 @@
               <a:t>example uses </a:t>
             </a:r>
             <a:r>
-              <a:rPr lang="en-GB" sz="1100">
+              <a:rPr lang="en-GB" sz="1100" dirty="0">
                 <a:solidFill>
                   <a:schemeClr val="dk1"/>
                 </a:solidFill>
@@ -30490,7 +30531,7 @@
               <a:t>PERCENT</a:t>
             </a:r>
             <a:r>
-              <a:rPr lang="en-GB" sz="1200">
+              <a:rPr lang="en-GB" sz="1200" dirty="0">
                 <a:solidFill>
                   <a:schemeClr val="dk1"/>
                 </a:solidFill>
@@ -30505,7 +30546,7 @@
               <a:t> to specify the number of products returned in the result set. The </a:t>
             </a:r>
             <a:r>
-              <a:rPr lang="en-GB" sz="1100">
+              <a:rPr lang="en-GB" sz="1100" dirty="0" err="1">
                 <a:solidFill>
                   <a:schemeClr val="dk1"/>
                 </a:solidFill>
@@ -30513,7 +30554,7 @@
               <a:t>production.products</a:t>
             </a:r>
             <a:r>
-              <a:rPr lang="en-GB" sz="1200">
+              <a:rPr lang="en-GB" sz="1200" dirty="0">
                 <a:solidFill>
                   <a:schemeClr val="dk1"/>
                 </a:solidFill>
@@ -30528,7 +30569,7 @@
               <a:t> table has </a:t>
             </a:r>
             <a:r>
-              <a:rPr lang="en-GB" sz="1100">
+              <a:rPr lang="en-GB" sz="1100" dirty="0">
                 <a:solidFill>
                   <a:schemeClr val="dk1"/>
                 </a:solidFill>
@@ -30536,7 +30577,7 @@
               <a:t>321</a:t>
             </a:r>
             <a:r>
-              <a:rPr lang="en-GB" sz="1200">
+              <a:rPr lang="en-GB" sz="1200" dirty="0">
                 <a:solidFill>
                   <a:schemeClr val="dk1"/>
                 </a:solidFill>
@@ -30551,7 +30592,7 @@
               <a:t> rows, therefore, one percent of </a:t>
             </a:r>
             <a:r>
-              <a:rPr lang="en-GB" sz="1100">
+              <a:rPr lang="en-GB" sz="1100" dirty="0">
                 <a:solidFill>
                   <a:schemeClr val="dk1"/>
                 </a:solidFill>
@@ -30559,7 +30600,7 @@
               <a:t>321</a:t>
             </a:r>
             <a:r>
-              <a:rPr lang="en-GB" sz="1200">
+              <a:rPr lang="en-GB" sz="1200" dirty="0">
                 <a:solidFill>
                   <a:schemeClr val="dk1"/>
                 </a:solidFill>
@@ -30574,7 +30615,7 @@
               <a:t> is a fraction value ( </a:t>
             </a:r>
             <a:r>
-              <a:rPr lang="en-GB" sz="1100">
+              <a:rPr lang="en-GB" sz="1100" dirty="0">
                 <a:solidFill>
                   <a:schemeClr val="dk1"/>
                 </a:solidFill>
@@ -30582,7 +30623,7 @@
               <a:t>3.21</a:t>
             </a:r>
             <a:r>
-              <a:rPr lang="en-GB" sz="1200">
+              <a:rPr lang="en-GB" sz="1200" dirty="0">
                 <a:solidFill>
                   <a:schemeClr val="dk1"/>
                 </a:solidFill>
@@ -30597,7 +30638,7 @@
               <a:t>), SQL Server rounds it up to the next whole number which is four ( </a:t>
             </a:r>
             <a:r>
-              <a:rPr lang="en-GB" sz="1100">
+              <a:rPr lang="en-GB" sz="1100" dirty="0">
                 <a:solidFill>
                   <a:schemeClr val="dk1"/>
                 </a:solidFill>
@@ -30605,7 +30646,7 @@
               <a:t>4</a:t>
             </a:r>
             <a:r>
-              <a:rPr lang="en-GB" sz="1200">
+              <a:rPr lang="en-GB" sz="1200" dirty="0">
                 <a:solidFill>
                   <a:schemeClr val="dk1"/>
                 </a:solidFill>
@@ -30619,7 +30660,7 @@
               </a:rPr>
               <a:t>) in this case.</a:t>
             </a:r>
-            <a:endParaRPr/>
+            <a:endParaRPr dirty="0"/>
           </a:p>
         </p:txBody>
       </p:sp>
@@ -31129,6 +31170,531 @@
         </p:txBody>
       </p:sp>
     </p:spTree>
+  </p:cSld>
+  <p:clrMapOvr>
+    <a:masterClrMapping/>
+  </p:clrMapOvr>
+</p:sld>
+</file>
+
+<file path=ppt/slides/slide90.xml><?xml version="1.0" encoding="utf-8"?>
+<p:sld xmlns:a="http://schemas.openxmlformats.org/drawingml/2006/main" xmlns:r="http://schemas.openxmlformats.org/officeDocument/2006/relationships" xmlns:p="http://schemas.openxmlformats.org/presentationml/2006/main">
+  <p:cSld>
+    <p:spTree>
+      <p:nvGrpSpPr>
+        <p:cNvPr id="1" name=""/>
+        <p:cNvGrpSpPr/>
+        <p:nvPr/>
+      </p:nvGrpSpPr>
+      <p:grpSpPr>
+        <a:xfrm>
+          <a:off x="0" y="0"/>
+          <a:ext cx="0" cy="0"/>
+          <a:chOff x="0" y="0"/>
+          <a:chExt cx="0" cy="0"/>
+        </a:xfrm>
+      </p:grpSpPr>
+      <p:sp>
+        <p:nvSpPr>
+          <p:cNvPr id="2" name="Title 1">
+            <a:extLst>
+              <a:ext uri="{FF2B5EF4-FFF2-40B4-BE49-F238E27FC236}">
+                <a16:creationId xmlns:a16="http://schemas.microsoft.com/office/drawing/2014/main" id="{EA8A284D-76C8-91FB-A2CD-B26D9575234E}"/>
+              </a:ext>
+            </a:extLst>
+          </p:cNvPr>
+          <p:cNvSpPr>
+            <a:spLocks noGrp="1"/>
+          </p:cNvSpPr>
+          <p:nvPr>
+            <p:ph type="title"/>
+          </p:nvPr>
+        </p:nvSpPr>
+        <p:spPr/>
+        <p:txBody>
+          <a:bodyPr>
+            <a:normAutofit fontScale="90000"/>
+          </a:bodyPr>
+          <a:lstStyle/>
+          <a:p>
+            <a:r>
+              <a:rPr lang="en-IN" dirty="0"/>
+              <a:t>Adding a Check Constraint</a:t>
+            </a:r>
+          </a:p>
+        </p:txBody>
+      </p:sp>
+      <p:sp>
+        <p:nvSpPr>
+          <p:cNvPr id="4" name="Rectangle 1">
+            <a:extLst>
+              <a:ext uri="{FF2B5EF4-FFF2-40B4-BE49-F238E27FC236}">
+                <a16:creationId xmlns:a16="http://schemas.microsoft.com/office/drawing/2014/main" id="{E2EA9C40-1469-1C0E-7077-73680FBC1CC5}"/>
+              </a:ext>
+            </a:extLst>
+          </p:cNvPr>
+          <p:cNvSpPr>
+            <a:spLocks noGrp="1" noChangeArrowheads="1"/>
+          </p:cNvSpPr>
+          <p:nvPr>
+            <p:ph type="body" idx="1"/>
+          </p:nvPr>
+        </p:nvSpPr>
+        <p:spPr bwMode="auto">
+          <a:xfrm>
+            <a:off x="311700" y="1016501"/>
+            <a:ext cx="7083991" cy="1200329"/>
+          </a:xfrm>
+          <a:prstGeom prst="rect">
+            <a:avLst/>
+          </a:prstGeom>
+          <a:solidFill>
+            <a:srgbClr val="FFFFFF"/>
+          </a:solidFill>
+          <a:ln>
+            <a:noFill/>
+          </a:ln>
+          <a:effectLst/>
+          <a:extLst>
+            <a:ext uri="{91240B29-F687-4F45-9708-019B960494DF}">
+              <a14:hiddenLine xmlns:a14="http://schemas.microsoft.com/office/drawing/2010/main" w="9525">
+                <a:solidFill>
+                  <a:schemeClr val="tx1"/>
+                </a:solidFill>
+                <a:miter lim="800000"/>
+                <a:headEnd/>
+                <a:tailEnd/>
+              </a14:hiddenLine>
+            </a:ext>
+            <a:ext uri="{AF507438-7753-43E0-B8FC-AC1667EBCBE1}">
+              <a14:hiddenEffects xmlns:a14="http://schemas.microsoft.com/office/drawing/2010/main">
+                <a:effectLst>
+                  <a:outerShdw dist="35921" dir="2700000" algn="ctr" rotWithShape="0">
+                    <a:schemeClr val="bg2"/>
+                  </a:outerShdw>
+                </a:effectLst>
+              </a14:hiddenEffects>
+            </a:ext>
+          </a:extLst>
+        </p:spPr>
+        <p:txBody>
+          <a:bodyPr vert="horz" wrap="none" lIns="91440" tIns="45720" rIns="91440" bIns="45720" numCol="1" anchor="ctr" anchorCtr="0" compatLnSpc="1">
+            <a:prstTxWarp prst="textNoShape">
+              <a:avLst/>
+            </a:prstTxWarp>
+            <a:spAutoFit/>
+          </a:bodyPr>
+          <a:lstStyle>
+            <a:lvl1pPr eaLnBrk="0" fontAlgn="base" hangingPunct="0">
+              <a:spcBef>
+                <a:spcPct val="0"/>
+              </a:spcBef>
+              <a:spcAft>
+                <a:spcPct val="0"/>
+              </a:spcAft>
+              <a:defRPr>
+                <a:solidFill>
+                  <a:schemeClr val="tx1"/>
+                </a:solidFill>
+                <a:latin typeface="Arial" panose="020B0604020202020204" pitchFamily="34" charset="0"/>
+              </a:defRPr>
+            </a:lvl1pPr>
+            <a:lvl2pPr marL="457200" eaLnBrk="0" fontAlgn="base" hangingPunct="0">
+              <a:spcBef>
+                <a:spcPct val="0"/>
+              </a:spcBef>
+              <a:spcAft>
+                <a:spcPct val="0"/>
+              </a:spcAft>
+              <a:defRPr>
+                <a:solidFill>
+                  <a:schemeClr val="tx1"/>
+                </a:solidFill>
+                <a:latin typeface="Arial" panose="020B0604020202020204" pitchFamily="34" charset="0"/>
+              </a:defRPr>
+            </a:lvl2pPr>
+            <a:lvl3pPr marL="914400" eaLnBrk="0" fontAlgn="base" hangingPunct="0">
+              <a:spcBef>
+                <a:spcPct val="0"/>
+              </a:spcBef>
+              <a:spcAft>
+                <a:spcPct val="0"/>
+              </a:spcAft>
+              <a:defRPr>
+                <a:solidFill>
+                  <a:schemeClr val="tx1"/>
+                </a:solidFill>
+                <a:latin typeface="Arial" panose="020B0604020202020204" pitchFamily="34" charset="0"/>
+              </a:defRPr>
+            </a:lvl3pPr>
+            <a:lvl4pPr marL="1371600" eaLnBrk="0" fontAlgn="base" hangingPunct="0">
+              <a:spcBef>
+                <a:spcPct val="0"/>
+              </a:spcBef>
+              <a:spcAft>
+                <a:spcPct val="0"/>
+              </a:spcAft>
+              <a:defRPr>
+                <a:solidFill>
+                  <a:schemeClr val="tx1"/>
+                </a:solidFill>
+                <a:latin typeface="Arial" panose="020B0604020202020204" pitchFamily="34" charset="0"/>
+              </a:defRPr>
+            </a:lvl4pPr>
+            <a:lvl5pPr marL="1828800" eaLnBrk="0" fontAlgn="base" hangingPunct="0">
+              <a:spcBef>
+                <a:spcPct val="0"/>
+              </a:spcBef>
+              <a:spcAft>
+                <a:spcPct val="0"/>
+              </a:spcAft>
+              <a:defRPr>
+                <a:solidFill>
+                  <a:schemeClr val="tx1"/>
+                </a:solidFill>
+                <a:latin typeface="Arial" panose="020B0604020202020204" pitchFamily="34" charset="0"/>
+              </a:defRPr>
+            </a:lvl5pPr>
+            <a:lvl6pPr marL="2286000" eaLnBrk="0" fontAlgn="base" hangingPunct="0">
+              <a:spcBef>
+                <a:spcPct val="0"/>
+              </a:spcBef>
+              <a:spcAft>
+                <a:spcPct val="0"/>
+              </a:spcAft>
+              <a:defRPr>
+                <a:solidFill>
+                  <a:schemeClr val="tx1"/>
+                </a:solidFill>
+                <a:latin typeface="Arial" panose="020B0604020202020204" pitchFamily="34" charset="0"/>
+              </a:defRPr>
+            </a:lvl6pPr>
+            <a:lvl7pPr marL="2743200" eaLnBrk="0" fontAlgn="base" hangingPunct="0">
+              <a:spcBef>
+                <a:spcPct val="0"/>
+              </a:spcBef>
+              <a:spcAft>
+                <a:spcPct val="0"/>
+              </a:spcAft>
+              <a:defRPr>
+                <a:solidFill>
+                  <a:schemeClr val="tx1"/>
+                </a:solidFill>
+                <a:latin typeface="Arial" panose="020B0604020202020204" pitchFamily="34" charset="0"/>
+              </a:defRPr>
+            </a:lvl7pPr>
+            <a:lvl8pPr marL="3200400" eaLnBrk="0" fontAlgn="base" hangingPunct="0">
+              <a:spcBef>
+                <a:spcPct val="0"/>
+              </a:spcBef>
+              <a:spcAft>
+                <a:spcPct val="0"/>
+              </a:spcAft>
+              <a:defRPr>
+                <a:solidFill>
+                  <a:schemeClr val="tx1"/>
+                </a:solidFill>
+                <a:latin typeface="Arial" panose="020B0604020202020204" pitchFamily="34" charset="0"/>
+              </a:defRPr>
+            </a:lvl8pPr>
+            <a:lvl9pPr marL="3657600" eaLnBrk="0" fontAlgn="base" hangingPunct="0">
+              <a:spcBef>
+                <a:spcPct val="0"/>
+              </a:spcBef>
+              <a:spcAft>
+                <a:spcPct val="0"/>
+              </a:spcAft>
+              <a:defRPr>
+                <a:solidFill>
+                  <a:schemeClr val="tx1"/>
+                </a:solidFill>
+                <a:latin typeface="Arial" panose="020B0604020202020204" pitchFamily="34" charset="0"/>
+              </a:defRPr>
+            </a:lvl9pPr>
+          </a:lstStyle>
+          <a:p>
+            <a:pPr marL="0" marR="0" lvl="0" indent="0" algn="l" defTabSz="914400" rtl="0" eaLnBrk="0" fontAlgn="base" latinLnBrk="0" hangingPunct="0">
+              <a:lnSpc>
+                <a:spcPct val="100000"/>
+              </a:lnSpc>
+              <a:spcBef>
+                <a:spcPct val="0"/>
+              </a:spcBef>
+              <a:spcAft>
+                <a:spcPct val="0"/>
+              </a:spcAft>
+              <a:buClrTx/>
+              <a:buSzTx/>
+              <a:buFontTx/>
+              <a:buNone/>
+              <a:tabLst/>
+            </a:pPr>
+            <a:r>
+              <a:rPr lang="en-US" altLang="en-US" sz="1200" dirty="0">
+                <a:solidFill>
+                  <a:schemeClr val="dk1"/>
+                </a:solidFill>
+                <a:highlight>
+                  <a:srgbClr val="FFFFFF"/>
+                </a:highlight>
+                <a:latin typeface="Roboto"/>
+                <a:ea typeface="Roboto"/>
+              </a:rPr>
+              <a:t>The CHECK constraint is used to limit the value range that can be placed in a column.</a:t>
+            </a:r>
+          </a:p>
+          <a:p>
+            <a:pPr marL="0" marR="0" lvl="0" indent="0" algn="l" defTabSz="914400" rtl="0" eaLnBrk="0" fontAlgn="base" latinLnBrk="0" hangingPunct="0">
+              <a:lnSpc>
+                <a:spcPct val="100000"/>
+              </a:lnSpc>
+              <a:spcBef>
+                <a:spcPct val="0"/>
+              </a:spcBef>
+              <a:spcAft>
+                <a:spcPct val="0"/>
+              </a:spcAft>
+              <a:buClrTx/>
+              <a:buSzTx/>
+              <a:buFontTx/>
+              <a:buNone/>
+              <a:tabLst/>
+            </a:pPr>
+            <a:r>
+              <a:rPr lang="en-US" altLang="en-US" sz="1200" dirty="0">
+                <a:solidFill>
+                  <a:schemeClr val="dk1"/>
+                </a:solidFill>
+                <a:highlight>
+                  <a:srgbClr val="FFFFFF"/>
+                </a:highlight>
+                <a:latin typeface="Roboto"/>
+                <a:ea typeface="Roboto"/>
+              </a:rPr>
+              <a:t>If you define a CHECK constraint on a column it will allow only certain values for this column.</a:t>
+            </a:r>
+          </a:p>
+          <a:p>
+            <a:pPr marL="0" marR="0" lvl="0" indent="0" algn="l" defTabSz="914400" rtl="0" eaLnBrk="0" fontAlgn="base" latinLnBrk="0" hangingPunct="0">
+              <a:lnSpc>
+                <a:spcPct val="100000"/>
+              </a:lnSpc>
+              <a:spcBef>
+                <a:spcPct val="0"/>
+              </a:spcBef>
+              <a:spcAft>
+                <a:spcPct val="0"/>
+              </a:spcAft>
+              <a:buClrTx/>
+              <a:buSzTx/>
+              <a:buFontTx/>
+              <a:buNone/>
+              <a:tabLst/>
+            </a:pPr>
+            <a:r>
+              <a:rPr lang="en-US" altLang="en-US" sz="1200" dirty="0">
+                <a:solidFill>
+                  <a:schemeClr val="dk1"/>
+                </a:solidFill>
+                <a:highlight>
+                  <a:srgbClr val="FFFFFF"/>
+                </a:highlight>
+                <a:latin typeface="Roboto"/>
+                <a:ea typeface="Roboto"/>
+              </a:rPr>
+              <a:t>If you define a CHECK constraint on a table it can limit the values in certain columns based on values </a:t>
+            </a:r>
+          </a:p>
+          <a:p>
+            <a:pPr marL="0" marR="0" lvl="0" indent="0" algn="l" defTabSz="914400" rtl="0" eaLnBrk="0" fontAlgn="base" latinLnBrk="0" hangingPunct="0">
+              <a:lnSpc>
+                <a:spcPct val="100000"/>
+              </a:lnSpc>
+              <a:spcBef>
+                <a:spcPct val="0"/>
+              </a:spcBef>
+              <a:spcAft>
+                <a:spcPct val="0"/>
+              </a:spcAft>
+              <a:buClrTx/>
+              <a:buSzTx/>
+              <a:buFontTx/>
+              <a:buNone/>
+              <a:tabLst/>
+            </a:pPr>
+            <a:r>
+              <a:rPr lang="en-US" altLang="en-US" sz="1200" dirty="0">
+                <a:solidFill>
+                  <a:schemeClr val="dk1"/>
+                </a:solidFill>
+                <a:highlight>
+                  <a:srgbClr val="FFFFFF"/>
+                </a:highlight>
+                <a:latin typeface="Roboto"/>
+                <a:ea typeface="Roboto"/>
+              </a:rPr>
+              <a:t>in other columns in the row.</a:t>
+            </a:r>
+          </a:p>
+          <a:p>
+            <a:pPr marL="0" marR="0" lvl="0" indent="0" algn="l" defTabSz="914400" rtl="0" eaLnBrk="0" fontAlgn="base" latinLnBrk="0" hangingPunct="0">
+              <a:lnSpc>
+                <a:spcPct val="100000"/>
+              </a:lnSpc>
+              <a:spcBef>
+                <a:spcPct val="0"/>
+              </a:spcBef>
+              <a:spcAft>
+                <a:spcPct val="0"/>
+              </a:spcAft>
+              <a:buClrTx/>
+              <a:buSzTx/>
+              <a:buFontTx/>
+              <a:buNone/>
+              <a:tabLst/>
+            </a:pPr>
+            <a:endParaRPr lang="en-US" altLang="en-US" sz="1200" dirty="0">
+              <a:solidFill>
+                <a:schemeClr val="dk1"/>
+              </a:solidFill>
+              <a:highlight>
+                <a:srgbClr val="FFFFFF"/>
+              </a:highlight>
+              <a:latin typeface="Roboto"/>
+              <a:ea typeface="Roboto"/>
+            </a:endParaRPr>
+          </a:p>
+          <a:p>
+            <a:pPr marL="0" marR="0" lvl="0" indent="0" algn="l" defTabSz="914400" rtl="0" eaLnBrk="0" fontAlgn="base" latinLnBrk="0" hangingPunct="0">
+              <a:lnSpc>
+                <a:spcPct val="100000"/>
+              </a:lnSpc>
+              <a:spcBef>
+                <a:spcPct val="0"/>
+              </a:spcBef>
+              <a:spcAft>
+                <a:spcPct val="0"/>
+              </a:spcAft>
+              <a:buClrTx/>
+              <a:buSzTx/>
+              <a:buFontTx/>
+              <a:buNone/>
+              <a:tabLst/>
+            </a:pPr>
+            <a:endParaRPr lang="en-US" altLang="en-US" sz="1200" dirty="0">
+              <a:solidFill>
+                <a:schemeClr val="dk1"/>
+              </a:solidFill>
+              <a:highlight>
+                <a:srgbClr val="FFFFFF"/>
+              </a:highlight>
+              <a:latin typeface="Roboto"/>
+              <a:ea typeface="Roboto"/>
+            </a:endParaRPr>
+          </a:p>
+        </p:txBody>
+      </p:sp>
+      <p:pic>
+        <p:nvPicPr>
+          <p:cNvPr id="6" name="Picture 5">
+            <a:extLst>
+              <a:ext uri="{FF2B5EF4-FFF2-40B4-BE49-F238E27FC236}">
+                <a16:creationId xmlns:a16="http://schemas.microsoft.com/office/drawing/2014/main" id="{AED1E52C-CCD1-4079-F048-B507649EC1BD}"/>
+              </a:ext>
+            </a:extLst>
+          </p:cNvPr>
+          <p:cNvPicPr>
+            <a:picLocks noChangeAspect="1"/>
+          </p:cNvPicPr>
+          <p:nvPr/>
+        </p:nvPicPr>
+        <p:blipFill>
+          <a:blip r:embed="rId2"/>
+          <a:stretch>
+            <a:fillRect/>
+          </a:stretch>
+        </p:blipFill>
+        <p:spPr>
+          <a:xfrm>
+            <a:off x="494635" y="2788306"/>
+            <a:ext cx="2838450" cy="1381125"/>
+          </a:xfrm>
+          <a:prstGeom prst="rect">
+            <a:avLst/>
+          </a:prstGeom>
+        </p:spPr>
+      </p:pic>
+      <p:sp>
+        <p:nvSpPr>
+          <p:cNvPr id="7" name="TextBox 6">
+            <a:extLst>
+              <a:ext uri="{FF2B5EF4-FFF2-40B4-BE49-F238E27FC236}">
+                <a16:creationId xmlns:a16="http://schemas.microsoft.com/office/drawing/2014/main" id="{999BD36A-3CFF-F9F6-C9D2-E76F9C054287}"/>
+              </a:ext>
+            </a:extLst>
+          </p:cNvPr>
+          <p:cNvSpPr txBox="1"/>
+          <p:nvPr/>
+        </p:nvSpPr>
+        <p:spPr>
+          <a:xfrm>
+            <a:off x="457200" y="1988288"/>
+            <a:ext cx="3062177" cy="307777"/>
+          </a:xfrm>
+          <a:prstGeom prst="rect">
+            <a:avLst/>
+          </a:prstGeom>
+          <a:noFill/>
+        </p:spPr>
+        <p:txBody>
+          <a:bodyPr wrap="square" rtlCol="0">
+            <a:spAutoFit/>
+          </a:bodyPr>
+          <a:lstStyle/>
+          <a:p>
+            <a:r>
+              <a:rPr lang="en-IN" b="1" dirty="0"/>
+              <a:t>Example of CHECK Constraint</a:t>
+            </a:r>
+          </a:p>
+        </p:txBody>
+      </p:sp>
+      <p:pic>
+        <p:nvPicPr>
+          <p:cNvPr id="9" name="Picture 8">
+            <a:extLst>
+              <a:ext uri="{FF2B5EF4-FFF2-40B4-BE49-F238E27FC236}">
+                <a16:creationId xmlns:a16="http://schemas.microsoft.com/office/drawing/2014/main" id="{71B638C0-CBC5-06D7-9EF0-DD4273167C6D}"/>
+              </a:ext>
+            </a:extLst>
+          </p:cNvPr>
+          <p:cNvPicPr>
+            <a:picLocks noChangeAspect="1"/>
+          </p:cNvPicPr>
+          <p:nvPr/>
+        </p:nvPicPr>
+        <p:blipFill>
+          <a:blip r:embed="rId3"/>
+          <a:stretch>
+            <a:fillRect/>
+          </a:stretch>
+        </p:blipFill>
+        <p:spPr>
+          <a:xfrm>
+            <a:off x="3674213" y="2571749"/>
+            <a:ext cx="4857750" cy="1800225"/>
+          </a:xfrm>
+          <a:prstGeom prst="rect">
+            <a:avLst/>
+          </a:prstGeom>
+        </p:spPr>
+      </p:pic>
+    </p:spTree>
+    <p:extLst>
+      <p:ext uri="{BB962C8B-B14F-4D97-AF65-F5344CB8AC3E}">
+        <p14:creationId xmlns:p14="http://schemas.microsoft.com/office/powerpoint/2010/main" val="470397460"/>
+      </p:ext>
+    </p:extLst>
   </p:cSld>
   <p:clrMapOvr>
     <a:masterClrMapping/>

--- a/IIHT-Capgemini Big Data Azure Training-Slide.pptx
+++ b/IIHT-Capgemini Big Data Azure Training-Slide.pptx
@@ -5,7 +5,7 @@
     <p:sldMasterId id="2147483659" r:id="rId1"/>
   </p:sldMasterIdLst>
   <p:notesMasterIdLst>
-    <p:notesMasterId r:id="rId92"/>
+    <p:notesMasterId r:id="rId97"/>
   </p:notesMasterIdLst>
   <p:sldIdLst>
     <p:sldId id="256" r:id="rId2"/>
@@ -98,16 +98,21 @@
     <p:sldId id="336" r:id="rId89"/>
     <p:sldId id="337" r:id="rId90"/>
     <p:sldId id="345" r:id="rId91"/>
+    <p:sldId id="346" r:id="rId92"/>
+    <p:sldId id="347" r:id="rId93"/>
+    <p:sldId id="348" r:id="rId94"/>
+    <p:sldId id="349" r:id="rId95"/>
+    <p:sldId id="350" r:id="rId96"/>
   </p:sldIdLst>
   <p:sldSz cx="9144000" cy="5143500" type="screen16x9"/>
   <p:notesSz cx="6858000" cy="9144000"/>
   <p:embeddedFontLst>
     <p:embeddedFont>
       <p:font typeface="Roboto" panose="02000000000000000000" pitchFamily="2" charset="0"/>
-      <p:regular r:id="rId93"/>
-      <p:bold r:id="rId94"/>
-      <p:italic r:id="rId95"/>
-      <p:boldItalic r:id="rId96"/>
+      <p:regular r:id="rId98"/>
+      <p:bold r:id="rId99"/>
+      <p:italic r:id="rId100"/>
+      <p:boldItalic r:id="rId101"/>
     </p:embeddedFont>
   </p:embeddedFontLst>
   <p:defaultTextStyle>
@@ -31702,6 +31707,2684 @@
 </p:sld>
 </file>
 
+<file path=ppt/slides/slide91.xml><?xml version="1.0" encoding="utf-8"?>
+<p:sld xmlns:a="http://schemas.openxmlformats.org/drawingml/2006/main" xmlns:r="http://schemas.openxmlformats.org/officeDocument/2006/relationships" xmlns:p="http://schemas.openxmlformats.org/presentationml/2006/main">
+  <p:cSld>
+    <p:spTree>
+      <p:nvGrpSpPr>
+        <p:cNvPr id="1" name=""/>
+        <p:cNvGrpSpPr/>
+        <p:nvPr/>
+      </p:nvGrpSpPr>
+      <p:grpSpPr>
+        <a:xfrm>
+          <a:off x="0" y="0"/>
+          <a:ext cx="0" cy="0"/>
+          <a:chOff x="0" y="0"/>
+          <a:chExt cx="0" cy="0"/>
+        </a:xfrm>
+      </p:grpSpPr>
+      <p:sp>
+        <p:nvSpPr>
+          <p:cNvPr id="2" name="Title 1">
+            <a:extLst>
+              <a:ext uri="{FF2B5EF4-FFF2-40B4-BE49-F238E27FC236}">
+                <a16:creationId xmlns:a16="http://schemas.microsoft.com/office/drawing/2014/main" id="{377E6B22-AC06-60BA-AFC0-0B0E791DB7C4}"/>
+              </a:ext>
+            </a:extLst>
+          </p:cNvPr>
+          <p:cNvSpPr>
+            <a:spLocks noGrp="1"/>
+          </p:cNvSpPr>
+          <p:nvPr>
+            <p:ph type="title"/>
+          </p:nvPr>
+        </p:nvSpPr>
+        <p:spPr/>
+        <p:txBody>
+          <a:bodyPr>
+            <a:normAutofit fontScale="90000"/>
+          </a:bodyPr>
+          <a:lstStyle/>
+          <a:p>
+            <a:r>
+              <a:rPr lang="en-IN" dirty="0"/>
+              <a:t>LIKE Operator in TSQL</a:t>
+            </a:r>
+          </a:p>
+        </p:txBody>
+      </p:sp>
+      <p:sp>
+        <p:nvSpPr>
+          <p:cNvPr id="4" name="Rectangle 1">
+            <a:extLst>
+              <a:ext uri="{FF2B5EF4-FFF2-40B4-BE49-F238E27FC236}">
+                <a16:creationId xmlns:a16="http://schemas.microsoft.com/office/drawing/2014/main" id="{13B3B341-4116-99F2-BCE1-61AABA8BBFED}"/>
+              </a:ext>
+            </a:extLst>
+          </p:cNvPr>
+          <p:cNvSpPr>
+            <a:spLocks noGrp="1" noChangeArrowheads="1"/>
+          </p:cNvSpPr>
+          <p:nvPr>
+            <p:ph type="body" idx="1"/>
+          </p:nvPr>
+        </p:nvSpPr>
+        <p:spPr bwMode="auto">
+          <a:xfrm>
+            <a:off x="311700" y="1014358"/>
+            <a:ext cx="8382423" cy="1938992"/>
+          </a:xfrm>
+          <a:prstGeom prst="rect">
+            <a:avLst/>
+          </a:prstGeom>
+          <a:noFill/>
+          <a:ln>
+            <a:noFill/>
+          </a:ln>
+          <a:effectLst/>
+          <a:extLst>
+            <a:ext uri="{909E8E84-426E-40DD-AFC4-6F175D3DCCD1}">
+              <a14:hiddenFill xmlns:a14="http://schemas.microsoft.com/office/drawing/2010/main">
+                <a:solidFill>
+                  <a:schemeClr val="accent1"/>
+                </a:solidFill>
+              </a14:hiddenFill>
+            </a:ext>
+            <a:ext uri="{91240B29-F687-4F45-9708-019B960494DF}">
+              <a14:hiddenLine xmlns:a14="http://schemas.microsoft.com/office/drawing/2010/main" w="9525">
+                <a:solidFill>
+                  <a:schemeClr val="tx1"/>
+                </a:solidFill>
+                <a:miter lim="800000"/>
+                <a:headEnd/>
+                <a:tailEnd/>
+              </a14:hiddenLine>
+            </a:ext>
+            <a:ext uri="{AF507438-7753-43E0-B8FC-AC1667EBCBE1}">
+              <a14:hiddenEffects xmlns:a14="http://schemas.microsoft.com/office/drawing/2010/main">
+                <a:effectLst>
+                  <a:outerShdw dist="35921" dir="2700000" algn="ctr" rotWithShape="0">
+                    <a:schemeClr val="bg2"/>
+                  </a:outerShdw>
+                </a:effectLst>
+              </a14:hiddenEffects>
+            </a:ext>
+          </a:extLst>
+        </p:spPr>
+        <p:txBody>
+          <a:bodyPr vert="horz" wrap="none" lIns="91440" tIns="45720" rIns="91440" bIns="45720" numCol="1" anchor="ctr" anchorCtr="0" compatLnSpc="1">
+            <a:prstTxWarp prst="textNoShape">
+              <a:avLst/>
+            </a:prstTxWarp>
+            <a:spAutoFit/>
+          </a:bodyPr>
+          <a:lstStyle>
+            <a:lvl1pPr eaLnBrk="0" fontAlgn="base" hangingPunct="0">
+              <a:spcBef>
+                <a:spcPct val="0"/>
+              </a:spcBef>
+              <a:spcAft>
+                <a:spcPct val="0"/>
+              </a:spcAft>
+              <a:defRPr>
+                <a:solidFill>
+                  <a:schemeClr val="tx1"/>
+                </a:solidFill>
+                <a:latin typeface="Arial" panose="020B0604020202020204" pitchFamily="34" charset="0"/>
+              </a:defRPr>
+            </a:lvl1pPr>
+            <a:lvl2pPr marL="457200" eaLnBrk="0" fontAlgn="base" hangingPunct="0">
+              <a:spcBef>
+                <a:spcPct val="0"/>
+              </a:spcBef>
+              <a:spcAft>
+                <a:spcPct val="0"/>
+              </a:spcAft>
+              <a:defRPr>
+                <a:solidFill>
+                  <a:schemeClr val="tx1"/>
+                </a:solidFill>
+                <a:latin typeface="Arial" panose="020B0604020202020204" pitchFamily="34" charset="0"/>
+              </a:defRPr>
+            </a:lvl2pPr>
+            <a:lvl3pPr marL="914400" eaLnBrk="0" fontAlgn="base" hangingPunct="0">
+              <a:spcBef>
+                <a:spcPct val="0"/>
+              </a:spcBef>
+              <a:spcAft>
+                <a:spcPct val="0"/>
+              </a:spcAft>
+              <a:defRPr>
+                <a:solidFill>
+                  <a:schemeClr val="tx1"/>
+                </a:solidFill>
+                <a:latin typeface="Arial" panose="020B0604020202020204" pitchFamily="34" charset="0"/>
+              </a:defRPr>
+            </a:lvl3pPr>
+            <a:lvl4pPr marL="1371600" eaLnBrk="0" fontAlgn="base" hangingPunct="0">
+              <a:spcBef>
+                <a:spcPct val="0"/>
+              </a:spcBef>
+              <a:spcAft>
+                <a:spcPct val="0"/>
+              </a:spcAft>
+              <a:defRPr>
+                <a:solidFill>
+                  <a:schemeClr val="tx1"/>
+                </a:solidFill>
+                <a:latin typeface="Arial" panose="020B0604020202020204" pitchFamily="34" charset="0"/>
+              </a:defRPr>
+            </a:lvl4pPr>
+            <a:lvl5pPr marL="1828800" eaLnBrk="0" fontAlgn="base" hangingPunct="0">
+              <a:spcBef>
+                <a:spcPct val="0"/>
+              </a:spcBef>
+              <a:spcAft>
+                <a:spcPct val="0"/>
+              </a:spcAft>
+              <a:defRPr>
+                <a:solidFill>
+                  <a:schemeClr val="tx1"/>
+                </a:solidFill>
+                <a:latin typeface="Arial" panose="020B0604020202020204" pitchFamily="34" charset="0"/>
+              </a:defRPr>
+            </a:lvl5pPr>
+            <a:lvl6pPr marL="2286000" eaLnBrk="0" fontAlgn="base" hangingPunct="0">
+              <a:spcBef>
+                <a:spcPct val="0"/>
+              </a:spcBef>
+              <a:spcAft>
+                <a:spcPct val="0"/>
+              </a:spcAft>
+              <a:defRPr>
+                <a:solidFill>
+                  <a:schemeClr val="tx1"/>
+                </a:solidFill>
+                <a:latin typeface="Arial" panose="020B0604020202020204" pitchFamily="34" charset="0"/>
+              </a:defRPr>
+            </a:lvl6pPr>
+            <a:lvl7pPr marL="2743200" eaLnBrk="0" fontAlgn="base" hangingPunct="0">
+              <a:spcBef>
+                <a:spcPct val="0"/>
+              </a:spcBef>
+              <a:spcAft>
+                <a:spcPct val="0"/>
+              </a:spcAft>
+              <a:defRPr>
+                <a:solidFill>
+                  <a:schemeClr val="tx1"/>
+                </a:solidFill>
+                <a:latin typeface="Arial" panose="020B0604020202020204" pitchFamily="34" charset="0"/>
+              </a:defRPr>
+            </a:lvl7pPr>
+            <a:lvl8pPr marL="3200400" eaLnBrk="0" fontAlgn="base" hangingPunct="0">
+              <a:spcBef>
+                <a:spcPct val="0"/>
+              </a:spcBef>
+              <a:spcAft>
+                <a:spcPct val="0"/>
+              </a:spcAft>
+              <a:defRPr>
+                <a:solidFill>
+                  <a:schemeClr val="tx1"/>
+                </a:solidFill>
+                <a:latin typeface="Arial" panose="020B0604020202020204" pitchFamily="34" charset="0"/>
+              </a:defRPr>
+            </a:lvl8pPr>
+            <a:lvl9pPr marL="3657600" eaLnBrk="0" fontAlgn="base" hangingPunct="0">
+              <a:spcBef>
+                <a:spcPct val="0"/>
+              </a:spcBef>
+              <a:spcAft>
+                <a:spcPct val="0"/>
+              </a:spcAft>
+              <a:defRPr>
+                <a:solidFill>
+                  <a:schemeClr val="tx1"/>
+                </a:solidFill>
+                <a:latin typeface="Arial" panose="020B0604020202020204" pitchFamily="34" charset="0"/>
+              </a:defRPr>
+            </a:lvl9pPr>
+          </a:lstStyle>
+          <a:p>
+            <a:pPr marL="0" marR="0" lvl="0" indent="0" algn="l" defTabSz="914400" rtl="0" eaLnBrk="0" fontAlgn="base" latinLnBrk="0" hangingPunct="0">
+              <a:lnSpc>
+                <a:spcPct val="100000"/>
+              </a:lnSpc>
+              <a:spcBef>
+                <a:spcPct val="0"/>
+              </a:spcBef>
+              <a:spcAft>
+                <a:spcPct val="0"/>
+              </a:spcAft>
+              <a:buClrTx/>
+              <a:buSzTx/>
+              <a:buFontTx/>
+              <a:buNone/>
+              <a:tabLst/>
+            </a:pPr>
+            <a:r>
+              <a:rPr lang="en-US" altLang="en-US" sz="1200" dirty="0">
+                <a:solidFill>
+                  <a:schemeClr val="dk1"/>
+                </a:solidFill>
+                <a:highlight>
+                  <a:srgbClr val="FFFFFF"/>
+                </a:highlight>
+                <a:latin typeface="Roboto"/>
+                <a:ea typeface="Roboto"/>
+              </a:rPr>
+              <a:t>The SQL Server LIKE is a logical operator that determines if a character string matches a specified pattern. </a:t>
+            </a:r>
+          </a:p>
+          <a:p>
+            <a:pPr marL="0" marR="0" lvl="0" indent="0" algn="l" defTabSz="914400" rtl="0" eaLnBrk="0" fontAlgn="base" latinLnBrk="0" hangingPunct="0">
+              <a:lnSpc>
+                <a:spcPct val="100000"/>
+              </a:lnSpc>
+              <a:spcBef>
+                <a:spcPct val="0"/>
+              </a:spcBef>
+              <a:spcAft>
+                <a:spcPct val="0"/>
+              </a:spcAft>
+              <a:buClrTx/>
+              <a:buSzTx/>
+              <a:buFontTx/>
+              <a:buNone/>
+              <a:tabLst/>
+            </a:pPr>
+            <a:r>
+              <a:rPr lang="en-US" altLang="en-US" sz="1200" dirty="0">
+                <a:solidFill>
+                  <a:schemeClr val="dk1"/>
+                </a:solidFill>
+                <a:highlight>
+                  <a:srgbClr val="FFFFFF"/>
+                </a:highlight>
+                <a:latin typeface="Roboto"/>
+                <a:ea typeface="Roboto"/>
+              </a:rPr>
+              <a:t>A pattern may include regular characters and </a:t>
+            </a:r>
+            <a:r>
+              <a:rPr kumimoji="0" lang="en-US" altLang="en-US" sz="1200" b="0" i="0" u="none" strike="noStrike" cap="none" normalizeH="0" baseline="0" dirty="0">
+                <a:ln>
+                  <a:noFill/>
+                </a:ln>
+                <a:solidFill>
+                  <a:srgbClr val="000000"/>
+                </a:solidFill>
+                <a:effectLst/>
+                <a:latin typeface="-apple-system"/>
+              </a:rPr>
+              <a:t>wildcard characters.</a:t>
+            </a:r>
+          </a:p>
+          <a:p>
+            <a:pPr marL="0" marR="0" lvl="0" indent="0" algn="l" defTabSz="914400" rtl="0" eaLnBrk="0" fontAlgn="base" latinLnBrk="0" hangingPunct="0">
+              <a:lnSpc>
+                <a:spcPct val="100000"/>
+              </a:lnSpc>
+              <a:spcBef>
+                <a:spcPct val="0"/>
+              </a:spcBef>
+              <a:spcAft>
+                <a:spcPct val="0"/>
+              </a:spcAft>
+              <a:buClrTx/>
+              <a:buSzTx/>
+              <a:buFontTx/>
+              <a:buNone/>
+              <a:tabLst/>
+            </a:pPr>
+            <a:r>
+              <a:rPr lang="en-US" altLang="en-US" sz="1200" dirty="0">
+                <a:solidFill>
+                  <a:schemeClr val="dk1"/>
+                </a:solidFill>
+                <a:highlight>
+                  <a:srgbClr val="FFFFFF"/>
+                </a:highlight>
+                <a:latin typeface="Roboto"/>
+                <a:ea typeface="Roboto"/>
+              </a:rPr>
+              <a:t>The LIKE operator is used in the </a:t>
+            </a:r>
+            <a:r>
+              <a:rPr lang="en-US" altLang="en-US" sz="1200" dirty="0">
+                <a:solidFill>
+                  <a:schemeClr val="dk1"/>
+                </a:solidFill>
+                <a:highlight>
+                  <a:srgbClr val="FFFFFF"/>
+                </a:highlight>
+                <a:latin typeface="Roboto"/>
+                <a:ea typeface="Roboto"/>
+                <a:hlinkClick r:id="rId2">
+                  <a:extLst>
+                    <a:ext uri="{A12FA001-AC4F-418D-AE19-62706E023703}">
+                      <ahyp:hlinkClr xmlns:ahyp="http://schemas.microsoft.com/office/drawing/2018/hyperlinkcolor" val="tx"/>
+                    </a:ext>
+                  </a:extLst>
+                </a:hlinkClick>
+              </a:rPr>
+              <a:t>WHERE</a:t>
+            </a:r>
+            <a:r>
+              <a:rPr lang="en-US" altLang="en-US" sz="1200" dirty="0">
+                <a:solidFill>
+                  <a:schemeClr val="dk1"/>
+                </a:solidFill>
+                <a:highlight>
+                  <a:srgbClr val="FFFFFF"/>
+                </a:highlight>
+                <a:latin typeface="Roboto"/>
+                <a:ea typeface="Roboto"/>
+              </a:rPr>
+              <a:t> clause of the </a:t>
+            </a:r>
+            <a:r>
+              <a:rPr lang="en-US" altLang="en-US" sz="1200" dirty="0">
+                <a:solidFill>
+                  <a:schemeClr val="dk1"/>
+                </a:solidFill>
+                <a:highlight>
+                  <a:srgbClr val="FFFFFF"/>
+                </a:highlight>
+                <a:latin typeface="Roboto"/>
+                <a:ea typeface="Roboto"/>
+                <a:hlinkClick r:id="rId3">
+                  <a:extLst>
+                    <a:ext uri="{A12FA001-AC4F-418D-AE19-62706E023703}">
+                      <ahyp:hlinkClr xmlns:ahyp="http://schemas.microsoft.com/office/drawing/2018/hyperlinkcolor" val="tx"/>
+                    </a:ext>
+                  </a:extLst>
+                </a:hlinkClick>
+              </a:rPr>
+              <a:t>SELECT</a:t>
+            </a:r>
+            <a:r>
+              <a:rPr lang="en-US" altLang="en-US" sz="1200" dirty="0">
+                <a:solidFill>
+                  <a:schemeClr val="dk1"/>
+                </a:solidFill>
+                <a:highlight>
+                  <a:srgbClr val="FFFFFF"/>
+                </a:highlight>
+                <a:latin typeface="Roboto"/>
+                <a:ea typeface="Roboto"/>
+              </a:rPr>
+              <a:t>, </a:t>
+            </a:r>
+            <a:r>
+              <a:rPr lang="en-US" altLang="en-US" sz="1200" dirty="0">
+                <a:solidFill>
+                  <a:schemeClr val="dk1"/>
+                </a:solidFill>
+                <a:highlight>
+                  <a:srgbClr val="FFFFFF"/>
+                </a:highlight>
+                <a:latin typeface="Roboto"/>
+                <a:ea typeface="Roboto"/>
+                <a:hlinkClick r:id="rId4">
+                  <a:extLst>
+                    <a:ext uri="{A12FA001-AC4F-418D-AE19-62706E023703}">
+                      <ahyp:hlinkClr xmlns:ahyp="http://schemas.microsoft.com/office/drawing/2018/hyperlinkcolor" val="tx"/>
+                    </a:ext>
+                  </a:extLst>
+                </a:hlinkClick>
+              </a:rPr>
+              <a:t>UPDATE</a:t>
+            </a:r>
+            <a:r>
+              <a:rPr lang="en-US" altLang="en-US" sz="1200" dirty="0">
+                <a:solidFill>
+                  <a:schemeClr val="dk1"/>
+                </a:solidFill>
+                <a:highlight>
+                  <a:srgbClr val="FFFFFF"/>
+                </a:highlight>
+                <a:latin typeface="Roboto"/>
+                <a:ea typeface="Roboto"/>
+              </a:rPr>
+              <a:t>, and </a:t>
+            </a:r>
+            <a:r>
+              <a:rPr lang="en-US" altLang="en-US" sz="1200" dirty="0">
+                <a:solidFill>
+                  <a:schemeClr val="dk1"/>
+                </a:solidFill>
+                <a:highlight>
+                  <a:srgbClr val="FFFFFF"/>
+                </a:highlight>
+                <a:latin typeface="Roboto"/>
+                <a:ea typeface="Roboto"/>
+                <a:hlinkClick r:id="rId5">
+                  <a:extLst>
+                    <a:ext uri="{A12FA001-AC4F-418D-AE19-62706E023703}">
+                      <ahyp:hlinkClr xmlns:ahyp="http://schemas.microsoft.com/office/drawing/2018/hyperlinkcolor" val="tx"/>
+                    </a:ext>
+                  </a:extLst>
+                </a:hlinkClick>
+              </a:rPr>
+              <a:t>DELETE</a:t>
+            </a:r>
+            <a:r>
+              <a:rPr lang="en-US" altLang="en-US" sz="1200" dirty="0">
+                <a:solidFill>
+                  <a:schemeClr val="dk1"/>
+                </a:solidFill>
+                <a:highlight>
+                  <a:srgbClr val="FFFFFF"/>
+                </a:highlight>
+                <a:latin typeface="Roboto"/>
+                <a:ea typeface="Roboto"/>
+              </a:rPr>
+              <a:t> statements to filter rows based on </a:t>
+            </a:r>
+          </a:p>
+          <a:p>
+            <a:pPr marL="0" marR="0" lvl="0" indent="0" algn="l" defTabSz="914400" rtl="0" eaLnBrk="0" fontAlgn="base" latinLnBrk="0" hangingPunct="0">
+              <a:lnSpc>
+                <a:spcPct val="100000"/>
+              </a:lnSpc>
+              <a:spcBef>
+                <a:spcPct val="0"/>
+              </a:spcBef>
+              <a:spcAft>
+                <a:spcPct val="0"/>
+              </a:spcAft>
+              <a:buClrTx/>
+              <a:buSzTx/>
+              <a:buFontTx/>
+              <a:buNone/>
+              <a:tabLst/>
+            </a:pPr>
+            <a:r>
+              <a:rPr lang="en-US" altLang="en-US" sz="1200" dirty="0">
+                <a:solidFill>
+                  <a:schemeClr val="dk1"/>
+                </a:solidFill>
+                <a:highlight>
+                  <a:srgbClr val="FFFFFF"/>
+                </a:highlight>
+                <a:latin typeface="Roboto"/>
+                <a:ea typeface="Roboto"/>
+              </a:rPr>
+              <a:t>pattern matching. </a:t>
+            </a:r>
+          </a:p>
+          <a:p>
+            <a:pPr marL="0" marR="0" lvl="0" indent="0" algn="l" defTabSz="914400" rtl="0" eaLnBrk="0" fontAlgn="base" latinLnBrk="0" hangingPunct="0">
+              <a:lnSpc>
+                <a:spcPct val="100000"/>
+              </a:lnSpc>
+              <a:spcBef>
+                <a:spcPct val="0"/>
+              </a:spcBef>
+              <a:spcAft>
+                <a:spcPct val="0"/>
+              </a:spcAft>
+              <a:buClrTx/>
+              <a:buSzTx/>
+              <a:buFontTx/>
+              <a:buNone/>
+              <a:tabLst/>
+            </a:pPr>
+            <a:endParaRPr lang="en-US" altLang="en-US" sz="1200" dirty="0">
+              <a:solidFill>
+                <a:schemeClr val="dk1"/>
+              </a:solidFill>
+              <a:highlight>
+                <a:srgbClr val="FFFFFF"/>
+              </a:highlight>
+              <a:latin typeface="Roboto"/>
+              <a:ea typeface="Roboto"/>
+            </a:endParaRPr>
+          </a:p>
+          <a:p>
+            <a:pPr marL="0" marR="0" lvl="0" indent="0" algn="l" defTabSz="914400" rtl="0" eaLnBrk="0" fontAlgn="base" latinLnBrk="0" hangingPunct="0">
+              <a:lnSpc>
+                <a:spcPct val="100000"/>
+              </a:lnSpc>
+              <a:spcBef>
+                <a:spcPct val="0"/>
+              </a:spcBef>
+              <a:spcAft>
+                <a:spcPct val="0"/>
+              </a:spcAft>
+              <a:buClrTx/>
+              <a:buSzTx/>
+              <a:buFontTx/>
+              <a:buNone/>
+              <a:tabLst/>
+            </a:pPr>
+            <a:r>
+              <a:rPr lang="en-US" altLang="en-US" sz="1200" b="1" dirty="0">
+                <a:solidFill>
+                  <a:schemeClr val="dk1"/>
+                </a:solidFill>
+                <a:highlight>
+                  <a:srgbClr val="FFFFFF"/>
+                </a:highlight>
+                <a:latin typeface="Roboto"/>
+                <a:ea typeface="Roboto"/>
+              </a:rPr>
+              <a:t>Syntax</a:t>
+            </a:r>
+            <a:r>
+              <a:rPr lang="en-US" altLang="en-US" sz="1200" dirty="0">
+                <a:solidFill>
+                  <a:schemeClr val="dk1"/>
+                </a:solidFill>
+                <a:highlight>
+                  <a:srgbClr val="FFFFFF"/>
+                </a:highlight>
+                <a:latin typeface="Roboto"/>
+                <a:ea typeface="Roboto"/>
+              </a:rPr>
+              <a:t>: </a:t>
+            </a:r>
+          </a:p>
+          <a:p>
+            <a:pPr marL="0" marR="0" lvl="0" indent="0" algn="l" defTabSz="914400" rtl="0" eaLnBrk="0" fontAlgn="base" latinLnBrk="0" hangingPunct="0">
+              <a:lnSpc>
+                <a:spcPct val="100000"/>
+              </a:lnSpc>
+              <a:spcBef>
+                <a:spcPct val="0"/>
+              </a:spcBef>
+              <a:spcAft>
+                <a:spcPct val="0"/>
+              </a:spcAft>
+              <a:buClrTx/>
+              <a:buSzTx/>
+              <a:buFontTx/>
+              <a:buNone/>
+              <a:tabLst/>
+            </a:pPr>
+            <a:endParaRPr lang="en-US" altLang="en-US" sz="1200" dirty="0">
+              <a:solidFill>
+                <a:schemeClr val="dk1"/>
+              </a:solidFill>
+              <a:highlight>
+                <a:srgbClr val="FFFFFF"/>
+              </a:highlight>
+              <a:latin typeface="Roboto"/>
+              <a:ea typeface="Roboto"/>
+            </a:endParaRPr>
+          </a:p>
+          <a:p>
+            <a:pPr marL="0" marR="0" lvl="0" indent="0" algn="l" defTabSz="914400" rtl="0" eaLnBrk="0" fontAlgn="base" latinLnBrk="0" hangingPunct="0">
+              <a:lnSpc>
+                <a:spcPct val="100000"/>
+              </a:lnSpc>
+              <a:spcBef>
+                <a:spcPct val="0"/>
+              </a:spcBef>
+              <a:spcAft>
+                <a:spcPct val="0"/>
+              </a:spcAft>
+              <a:buClrTx/>
+              <a:buSzTx/>
+              <a:buFontTx/>
+              <a:buNone/>
+              <a:tabLst/>
+            </a:pPr>
+            <a:r>
+              <a:rPr lang="en-US" altLang="en-US" sz="1200" dirty="0">
+                <a:solidFill>
+                  <a:schemeClr val="dk1"/>
+                </a:solidFill>
+                <a:highlight>
+                  <a:srgbClr val="FFFFFF"/>
+                </a:highlight>
+                <a:latin typeface="Roboto"/>
+                <a:ea typeface="Roboto"/>
+              </a:rPr>
+              <a:t>Column | expression LIKE pattern [ESCAPE escape_character]</a:t>
+            </a:r>
+          </a:p>
+          <a:p>
+            <a:pPr marL="0" marR="0" lvl="0" indent="0" algn="l" defTabSz="914400" rtl="0" eaLnBrk="0" fontAlgn="base" latinLnBrk="0" hangingPunct="0">
+              <a:lnSpc>
+                <a:spcPct val="100000"/>
+              </a:lnSpc>
+              <a:spcBef>
+                <a:spcPct val="0"/>
+              </a:spcBef>
+              <a:spcAft>
+                <a:spcPct val="0"/>
+              </a:spcAft>
+              <a:buClrTx/>
+              <a:buSzTx/>
+              <a:buFontTx/>
+              <a:buNone/>
+              <a:tabLst/>
+            </a:pPr>
+            <a:endParaRPr lang="en-US" altLang="en-US" sz="1200" dirty="0">
+              <a:solidFill>
+                <a:schemeClr val="dk1"/>
+              </a:solidFill>
+              <a:highlight>
+                <a:srgbClr val="FFFFFF"/>
+              </a:highlight>
+              <a:latin typeface="Roboto"/>
+              <a:ea typeface="Roboto"/>
+            </a:endParaRPr>
+          </a:p>
+          <a:p>
+            <a:pPr marL="0" marR="0" lvl="0" indent="0" algn="l" defTabSz="914400" rtl="0" eaLnBrk="0" fontAlgn="base" latinLnBrk="0" hangingPunct="0">
+              <a:lnSpc>
+                <a:spcPct val="100000"/>
+              </a:lnSpc>
+              <a:spcBef>
+                <a:spcPct val="0"/>
+              </a:spcBef>
+              <a:spcAft>
+                <a:spcPct val="0"/>
+              </a:spcAft>
+              <a:buClrTx/>
+              <a:buSzTx/>
+              <a:buFontTx/>
+              <a:buNone/>
+              <a:tabLst/>
+            </a:pPr>
+            <a:endParaRPr lang="en-US" altLang="en-US" sz="1200" dirty="0">
+              <a:solidFill>
+                <a:schemeClr val="dk1"/>
+              </a:solidFill>
+              <a:highlight>
+                <a:srgbClr val="FFFFFF"/>
+              </a:highlight>
+              <a:latin typeface="Roboto"/>
+              <a:ea typeface="Roboto"/>
+            </a:endParaRPr>
+          </a:p>
+        </p:txBody>
+      </p:sp>
+      <p:pic>
+        <p:nvPicPr>
+          <p:cNvPr id="7" name="Picture 6">
+            <a:extLst>
+              <a:ext uri="{FF2B5EF4-FFF2-40B4-BE49-F238E27FC236}">
+                <a16:creationId xmlns:a16="http://schemas.microsoft.com/office/drawing/2014/main" id="{ED0F39D4-DBFC-2D40-B1BD-165BB5B8DD80}"/>
+              </a:ext>
+            </a:extLst>
+          </p:cNvPr>
+          <p:cNvPicPr>
+            <a:picLocks noChangeAspect="1"/>
+          </p:cNvPicPr>
+          <p:nvPr/>
+        </p:nvPicPr>
+        <p:blipFill>
+          <a:blip r:embed="rId6"/>
+          <a:stretch>
+            <a:fillRect/>
+          </a:stretch>
+        </p:blipFill>
+        <p:spPr>
+          <a:xfrm>
+            <a:off x="636805" y="2776407"/>
+            <a:ext cx="2093870" cy="2143555"/>
+          </a:xfrm>
+          <a:prstGeom prst="rect">
+            <a:avLst/>
+          </a:prstGeom>
+        </p:spPr>
+      </p:pic>
+      <p:pic>
+        <p:nvPicPr>
+          <p:cNvPr id="9" name="Picture 8">
+            <a:extLst>
+              <a:ext uri="{FF2B5EF4-FFF2-40B4-BE49-F238E27FC236}">
+                <a16:creationId xmlns:a16="http://schemas.microsoft.com/office/drawing/2014/main" id="{147D6A20-A555-3267-3B8D-F2BF6E7FBE57}"/>
+              </a:ext>
+            </a:extLst>
+          </p:cNvPr>
+          <p:cNvPicPr>
+            <a:picLocks noChangeAspect="1"/>
+          </p:cNvPicPr>
+          <p:nvPr/>
+        </p:nvPicPr>
+        <p:blipFill>
+          <a:blip r:embed="rId7"/>
+          <a:stretch>
+            <a:fillRect/>
+          </a:stretch>
+        </p:blipFill>
+        <p:spPr>
+          <a:xfrm>
+            <a:off x="3212273" y="3051929"/>
+            <a:ext cx="2581275" cy="1085850"/>
+          </a:xfrm>
+          <a:prstGeom prst="rect">
+            <a:avLst/>
+          </a:prstGeom>
+        </p:spPr>
+      </p:pic>
+    </p:spTree>
+    <p:extLst>
+      <p:ext uri="{BB962C8B-B14F-4D97-AF65-F5344CB8AC3E}">
+        <p14:creationId xmlns:p14="http://schemas.microsoft.com/office/powerpoint/2010/main" val="3971138064"/>
+      </p:ext>
+    </p:extLst>
+  </p:cSld>
+  <p:clrMapOvr>
+    <a:masterClrMapping/>
+  </p:clrMapOvr>
+</p:sld>
+</file>
+
+<file path=ppt/slides/slide92.xml><?xml version="1.0" encoding="utf-8"?>
+<p:sld xmlns:a="http://schemas.openxmlformats.org/drawingml/2006/main" xmlns:r="http://schemas.openxmlformats.org/officeDocument/2006/relationships" xmlns:p="http://schemas.openxmlformats.org/presentationml/2006/main">
+  <p:cSld>
+    <p:spTree>
+      <p:nvGrpSpPr>
+        <p:cNvPr id="1" name=""/>
+        <p:cNvGrpSpPr/>
+        <p:nvPr/>
+      </p:nvGrpSpPr>
+      <p:grpSpPr>
+        <a:xfrm>
+          <a:off x="0" y="0"/>
+          <a:ext cx="0" cy="0"/>
+          <a:chOff x="0" y="0"/>
+          <a:chExt cx="0" cy="0"/>
+        </a:xfrm>
+      </p:grpSpPr>
+      <p:sp>
+        <p:nvSpPr>
+          <p:cNvPr id="2" name="Title 1">
+            <a:extLst>
+              <a:ext uri="{FF2B5EF4-FFF2-40B4-BE49-F238E27FC236}">
+                <a16:creationId xmlns:a16="http://schemas.microsoft.com/office/drawing/2014/main" id="{139DE547-86AB-EC21-8E06-2E1E2A3BDF57}"/>
+              </a:ext>
+            </a:extLst>
+          </p:cNvPr>
+          <p:cNvSpPr>
+            <a:spLocks noGrp="1"/>
+          </p:cNvSpPr>
+          <p:nvPr>
+            <p:ph type="title"/>
+          </p:nvPr>
+        </p:nvSpPr>
+        <p:spPr/>
+        <p:txBody>
+          <a:bodyPr>
+            <a:normAutofit fontScale="90000"/>
+          </a:bodyPr>
+          <a:lstStyle/>
+          <a:p>
+            <a:r>
+              <a:rPr lang="en-IN" dirty="0"/>
+              <a:t>Group By Clause </a:t>
+            </a:r>
+          </a:p>
+        </p:txBody>
+      </p:sp>
+      <p:sp>
+        <p:nvSpPr>
+          <p:cNvPr id="4" name="Rectangle 1">
+            <a:extLst>
+              <a:ext uri="{FF2B5EF4-FFF2-40B4-BE49-F238E27FC236}">
+                <a16:creationId xmlns:a16="http://schemas.microsoft.com/office/drawing/2014/main" id="{E2CB66A9-6B9A-33F2-DEB8-0B096A69E314}"/>
+              </a:ext>
+            </a:extLst>
+          </p:cNvPr>
+          <p:cNvSpPr>
+            <a:spLocks noGrp="1" noChangeArrowheads="1"/>
+          </p:cNvSpPr>
+          <p:nvPr>
+            <p:ph type="body" idx="1"/>
+          </p:nvPr>
+        </p:nvSpPr>
+        <p:spPr bwMode="auto">
+          <a:xfrm>
+            <a:off x="311700" y="1201875"/>
+            <a:ext cx="6017994" cy="461665"/>
+          </a:xfrm>
+          <a:prstGeom prst="rect">
+            <a:avLst/>
+          </a:prstGeom>
+          <a:solidFill>
+            <a:srgbClr val="FFFFFF"/>
+          </a:solidFill>
+          <a:ln>
+            <a:noFill/>
+          </a:ln>
+          <a:effectLst/>
+          <a:extLst>
+            <a:ext uri="{91240B29-F687-4F45-9708-019B960494DF}">
+              <a14:hiddenLine xmlns:a14="http://schemas.microsoft.com/office/drawing/2010/main" w="9525">
+                <a:solidFill>
+                  <a:schemeClr val="tx1"/>
+                </a:solidFill>
+                <a:miter lim="800000"/>
+                <a:headEnd/>
+                <a:tailEnd/>
+              </a14:hiddenLine>
+            </a:ext>
+            <a:ext uri="{AF507438-7753-43E0-B8FC-AC1667EBCBE1}">
+              <a14:hiddenEffects xmlns:a14="http://schemas.microsoft.com/office/drawing/2010/main">
+                <a:effectLst>
+                  <a:outerShdw dist="35921" dir="2700000" algn="ctr" rotWithShape="0">
+                    <a:schemeClr val="bg2"/>
+                  </a:outerShdw>
+                </a:effectLst>
+              </a14:hiddenEffects>
+            </a:ext>
+          </a:extLst>
+        </p:spPr>
+        <p:txBody>
+          <a:bodyPr vert="horz" wrap="none" lIns="91440" tIns="45720" rIns="91440" bIns="45720" numCol="1" anchor="ctr" anchorCtr="0" compatLnSpc="1">
+            <a:prstTxWarp prst="textNoShape">
+              <a:avLst/>
+            </a:prstTxWarp>
+            <a:spAutoFit/>
+          </a:bodyPr>
+          <a:lstStyle>
+            <a:lvl1pPr eaLnBrk="0" fontAlgn="base" hangingPunct="0">
+              <a:spcBef>
+                <a:spcPct val="0"/>
+              </a:spcBef>
+              <a:spcAft>
+                <a:spcPct val="0"/>
+              </a:spcAft>
+              <a:defRPr>
+                <a:solidFill>
+                  <a:schemeClr val="tx1"/>
+                </a:solidFill>
+                <a:latin typeface="Arial" panose="020B0604020202020204" pitchFamily="34" charset="0"/>
+              </a:defRPr>
+            </a:lvl1pPr>
+            <a:lvl2pPr marL="457200" eaLnBrk="0" fontAlgn="base" hangingPunct="0">
+              <a:spcBef>
+                <a:spcPct val="0"/>
+              </a:spcBef>
+              <a:spcAft>
+                <a:spcPct val="0"/>
+              </a:spcAft>
+              <a:defRPr>
+                <a:solidFill>
+                  <a:schemeClr val="tx1"/>
+                </a:solidFill>
+                <a:latin typeface="Arial" panose="020B0604020202020204" pitchFamily="34" charset="0"/>
+              </a:defRPr>
+            </a:lvl2pPr>
+            <a:lvl3pPr marL="914400" eaLnBrk="0" fontAlgn="base" hangingPunct="0">
+              <a:spcBef>
+                <a:spcPct val="0"/>
+              </a:spcBef>
+              <a:spcAft>
+                <a:spcPct val="0"/>
+              </a:spcAft>
+              <a:defRPr>
+                <a:solidFill>
+                  <a:schemeClr val="tx1"/>
+                </a:solidFill>
+                <a:latin typeface="Arial" panose="020B0604020202020204" pitchFamily="34" charset="0"/>
+              </a:defRPr>
+            </a:lvl3pPr>
+            <a:lvl4pPr marL="1371600" eaLnBrk="0" fontAlgn="base" hangingPunct="0">
+              <a:spcBef>
+                <a:spcPct val="0"/>
+              </a:spcBef>
+              <a:spcAft>
+                <a:spcPct val="0"/>
+              </a:spcAft>
+              <a:defRPr>
+                <a:solidFill>
+                  <a:schemeClr val="tx1"/>
+                </a:solidFill>
+                <a:latin typeface="Arial" panose="020B0604020202020204" pitchFamily="34" charset="0"/>
+              </a:defRPr>
+            </a:lvl4pPr>
+            <a:lvl5pPr marL="1828800" eaLnBrk="0" fontAlgn="base" hangingPunct="0">
+              <a:spcBef>
+                <a:spcPct val="0"/>
+              </a:spcBef>
+              <a:spcAft>
+                <a:spcPct val="0"/>
+              </a:spcAft>
+              <a:defRPr>
+                <a:solidFill>
+                  <a:schemeClr val="tx1"/>
+                </a:solidFill>
+                <a:latin typeface="Arial" panose="020B0604020202020204" pitchFamily="34" charset="0"/>
+              </a:defRPr>
+            </a:lvl5pPr>
+            <a:lvl6pPr marL="2286000" eaLnBrk="0" fontAlgn="base" hangingPunct="0">
+              <a:spcBef>
+                <a:spcPct val="0"/>
+              </a:spcBef>
+              <a:spcAft>
+                <a:spcPct val="0"/>
+              </a:spcAft>
+              <a:defRPr>
+                <a:solidFill>
+                  <a:schemeClr val="tx1"/>
+                </a:solidFill>
+                <a:latin typeface="Arial" panose="020B0604020202020204" pitchFamily="34" charset="0"/>
+              </a:defRPr>
+            </a:lvl6pPr>
+            <a:lvl7pPr marL="2743200" eaLnBrk="0" fontAlgn="base" hangingPunct="0">
+              <a:spcBef>
+                <a:spcPct val="0"/>
+              </a:spcBef>
+              <a:spcAft>
+                <a:spcPct val="0"/>
+              </a:spcAft>
+              <a:defRPr>
+                <a:solidFill>
+                  <a:schemeClr val="tx1"/>
+                </a:solidFill>
+                <a:latin typeface="Arial" panose="020B0604020202020204" pitchFamily="34" charset="0"/>
+              </a:defRPr>
+            </a:lvl7pPr>
+            <a:lvl8pPr marL="3200400" eaLnBrk="0" fontAlgn="base" hangingPunct="0">
+              <a:spcBef>
+                <a:spcPct val="0"/>
+              </a:spcBef>
+              <a:spcAft>
+                <a:spcPct val="0"/>
+              </a:spcAft>
+              <a:defRPr>
+                <a:solidFill>
+                  <a:schemeClr val="tx1"/>
+                </a:solidFill>
+                <a:latin typeface="Arial" panose="020B0604020202020204" pitchFamily="34" charset="0"/>
+              </a:defRPr>
+            </a:lvl8pPr>
+            <a:lvl9pPr marL="3657600" eaLnBrk="0" fontAlgn="base" hangingPunct="0">
+              <a:spcBef>
+                <a:spcPct val="0"/>
+              </a:spcBef>
+              <a:spcAft>
+                <a:spcPct val="0"/>
+              </a:spcAft>
+              <a:defRPr>
+                <a:solidFill>
+                  <a:schemeClr val="tx1"/>
+                </a:solidFill>
+                <a:latin typeface="Arial" panose="020B0604020202020204" pitchFamily="34" charset="0"/>
+              </a:defRPr>
+            </a:lvl9pPr>
+          </a:lstStyle>
+          <a:p>
+            <a:pPr marL="0" marR="0" lvl="0" indent="0" algn="l" defTabSz="914400" rtl="0" eaLnBrk="0" fontAlgn="base" latinLnBrk="0" hangingPunct="0">
+              <a:lnSpc>
+                <a:spcPct val="100000"/>
+              </a:lnSpc>
+              <a:spcBef>
+                <a:spcPct val="0"/>
+              </a:spcBef>
+              <a:spcAft>
+                <a:spcPct val="0"/>
+              </a:spcAft>
+              <a:buClrTx/>
+              <a:buSzTx/>
+              <a:buFontTx/>
+              <a:buNone/>
+              <a:tabLst/>
+            </a:pPr>
+            <a:r>
+              <a:rPr lang="en-US" altLang="en-US" sz="1200" dirty="0">
+                <a:solidFill>
+                  <a:schemeClr val="dk1"/>
+                </a:solidFill>
+                <a:highlight>
+                  <a:srgbClr val="FFFFFF"/>
+                </a:highlight>
+                <a:latin typeface="Roboto"/>
+                <a:ea typeface="Roboto"/>
+              </a:rPr>
+              <a:t>The GROUP BY clause allows you to arrange the rows of a </a:t>
+            </a:r>
+            <a:r>
+              <a:rPr lang="en-US" altLang="en-US" sz="1200" dirty="0">
+                <a:solidFill>
+                  <a:schemeClr val="dk1"/>
+                </a:solidFill>
+                <a:highlight>
+                  <a:srgbClr val="FFFFFF"/>
+                </a:highlight>
+                <a:latin typeface="Roboto"/>
+                <a:ea typeface="Roboto"/>
+                <a:hlinkClick r:id="rId2">
+                  <a:extLst>
+                    <a:ext uri="{A12FA001-AC4F-418D-AE19-62706E023703}">
+                      <ahyp:hlinkClr xmlns:ahyp="http://schemas.microsoft.com/office/drawing/2018/hyperlinkcolor" val="tx"/>
+                    </a:ext>
+                  </a:extLst>
+                </a:hlinkClick>
+              </a:rPr>
+              <a:t>query</a:t>
+            </a:r>
+            <a:r>
+              <a:rPr lang="en-US" altLang="en-US" sz="1200" dirty="0">
+                <a:solidFill>
+                  <a:schemeClr val="dk1"/>
+                </a:solidFill>
+                <a:highlight>
+                  <a:srgbClr val="FFFFFF"/>
+                </a:highlight>
+                <a:latin typeface="Roboto"/>
+                <a:ea typeface="Roboto"/>
+              </a:rPr>
+              <a:t> in groups.</a:t>
+            </a:r>
+          </a:p>
+          <a:p>
+            <a:pPr marL="0" marR="0" lvl="0" indent="0" algn="l" defTabSz="914400" rtl="0" eaLnBrk="0" fontAlgn="base" latinLnBrk="0" hangingPunct="0">
+              <a:lnSpc>
+                <a:spcPct val="100000"/>
+              </a:lnSpc>
+              <a:spcBef>
+                <a:spcPct val="0"/>
+              </a:spcBef>
+              <a:spcAft>
+                <a:spcPct val="0"/>
+              </a:spcAft>
+              <a:buClrTx/>
+              <a:buSzTx/>
+              <a:buFontTx/>
+              <a:buNone/>
+              <a:tabLst/>
+            </a:pPr>
+            <a:r>
+              <a:rPr lang="en-US" altLang="en-US" sz="1200" dirty="0">
+                <a:solidFill>
+                  <a:schemeClr val="dk1"/>
+                </a:solidFill>
+                <a:highlight>
+                  <a:srgbClr val="FFFFFF"/>
+                </a:highlight>
+                <a:latin typeface="Roboto"/>
+                <a:ea typeface="Roboto"/>
+              </a:rPr>
+              <a:t> The groups are determined by the columns that you specify in the GROUP BY clause. </a:t>
+            </a:r>
+          </a:p>
+        </p:txBody>
+      </p:sp>
+      <p:sp>
+        <p:nvSpPr>
+          <p:cNvPr id="5" name="TextBox 4">
+            <a:extLst>
+              <a:ext uri="{FF2B5EF4-FFF2-40B4-BE49-F238E27FC236}">
+                <a16:creationId xmlns:a16="http://schemas.microsoft.com/office/drawing/2014/main" id="{D8DF3DD2-CE3F-8C55-7FC1-BE12B97F39AB}"/>
+              </a:ext>
+            </a:extLst>
+          </p:cNvPr>
+          <p:cNvSpPr txBox="1"/>
+          <p:nvPr/>
+        </p:nvSpPr>
+        <p:spPr>
+          <a:xfrm>
+            <a:off x="413359" y="1929008"/>
+            <a:ext cx="4797468" cy="1600438"/>
+          </a:xfrm>
+          <a:prstGeom prst="rect">
+            <a:avLst/>
+          </a:prstGeom>
+          <a:noFill/>
+        </p:spPr>
+        <p:txBody>
+          <a:bodyPr wrap="square" rtlCol="0">
+            <a:spAutoFit/>
+          </a:bodyPr>
+          <a:lstStyle/>
+          <a:p>
+            <a:r>
+              <a:rPr lang="en-IN" dirty="0"/>
+              <a:t>SELECT </a:t>
+            </a:r>
+          </a:p>
+          <a:p>
+            <a:r>
+              <a:rPr lang="en-IN" dirty="0"/>
+              <a:t>   </a:t>
+            </a:r>
+            <a:r>
+              <a:rPr lang="en-IN" dirty="0" err="1"/>
+              <a:t>select_list</a:t>
+            </a:r>
+            <a:endParaRPr lang="en-IN" dirty="0"/>
+          </a:p>
+          <a:p>
+            <a:r>
+              <a:rPr lang="en-IN" dirty="0"/>
+              <a:t>FROM</a:t>
+            </a:r>
+          </a:p>
+          <a:p>
+            <a:r>
+              <a:rPr lang="en-IN" dirty="0"/>
+              <a:t> </a:t>
+            </a:r>
+            <a:r>
+              <a:rPr lang="en-IN" dirty="0" err="1"/>
+              <a:t>table_name</a:t>
+            </a:r>
+            <a:r>
+              <a:rPr lang="en-IN" dirty="0"/>
+              <a:t> </a:t>
+            </a:r>
+          </a:p>
+          <a:p>
+            <a:r>
+              <a:rPr lang="en-IN" dirty="0"/>
+              <a:t>GROUP BY </a:t>
+            </a:r>
+          </a:p>
+          <a:p>
+            <a:r>
+              <a:rPr lang="en-IN" dirty="0"/>
+              <a:t> column_name1,</a:t>
+            </a:r>
+          </a:p>
+          <a:p>
+            <a:r>
+              <a:rPr lang="en-IN" dirty="0"/>
+              <a:t> column_name2,    ;</a:t>
+            </a:r>
+          </a:p>
+        </p:txBody>
+      </p:sp>
+      <p:pic>
+        <p:nvPicPr>
+          <p:cNvPr id="7" name="Picture 6">
+            <a:extLst>
+              <a:ext uri="{FF2B5EF4-FFF2-40B4-BE49-F238E27FC236}">
+                <a16:creationId xmlns:a16="http://schemas.microsoft.com/office/drawing/2014/main" id="{1FC67D63-3785-9267-E27B-23B1A60C1F82}"/>
+              </a:ext>
+            </a:extLst>
+          </p:cNvPr>
+          <p:cNvPicPr>
+            <a:picLocks noChangeAspect="1"/>
+          </p:cNvPicPr>
+          <p:nvPr/>
+        </p:nvPicPr>
+        <p:blipFill>
+          <a:blip r:embed="rId3"/>
+          <a:stretch>
+            <a:fillRect/>
+          </a:stretch>
+        </p:blipFill>
+        <p:spPr>
+          <a:xfrm>
+            <a:off x="4160862" y="1929008"/>
+            <a:ext cx="2571750" cy="2600325"/>
+          </a:xfrm>
+          <a:prstGeom prst="rect">
+            <a:avLst/>
+          </a:prstGeom>
+        </p:spPr>
+      </p:pic>
+      <p:pic>
+        <p:nvPicPr>
+          <p:cNvPr id="9" name="Picture 8">
+            <a:extLst>
+              <a:ext uri="{FF2B5EF4-FFF2-40B4-BE49-F238E27FC236}">
+                <a16:creationId xmlns:a16="http://schemas.microsoft.com/office/drawing/2014/main" id="{15E5FF65-4A33-CE90-0E80-900FC149AB40}"/>
+              </a:ext>
+            </a:extLst>
+          </p:cNvPr>
+          <p:cNvPicPr>
+            <a:picLocks noChangeAspect="1"/>
+          </p:cNvPicPr>
+          <p:nvPr/>
+        </p:nvPicPr>
+        <p:blipFill>
+          <a:blip r:embed="rId4"/>
+          <a:stretch>
+            <a:fillRect/>
+          </a:stretch>
+        </p:blipFill>
+        <p:spPr>
+          <a:xfrm>
+            <a:off x="6980324" y="2481457"/>
+            <a:ext cx="1571625" cy="1495425"/>
+          </a:xfrm>
+          <a:prstGeom prst="rect">
+            <a:avLst/>
+          </a:prstGeom>
+        </p:spPr>
+      </p:pic>
+      <p:sp>
+        <p:nvSpPr>
+          <p:cNvPr id="11" name="TextBox 10">
+            <a:extLst>
+              <a:ext uri="{FF2B5EF4-FFF2-40B4-BE49-F238E27FC236}">
+                <a16:creationId xmlns:a16="http://schemas.microsoft.com/office/drawing/2014/main" id="{B4FCDBB7-BAE3-80CB-24B2-DC18AF455843}"/>
+              </a:ext>
+            </a:extLst>
+          </p:cNvPr>
+          <p:cNvSpPr txBox="1"/>
+          <p:nvPr/>
+        </p:nvSpPr>
+        <p:spPr>
+          <a:xfrm>
+            <a:off x="413359" y="3976882"/>
+            <a:ext cx="3118981" cy="954107"/>
+          </a:xfrm>
+          <a:prstGeom prst="rect">
+            <a:avLst/>
+          </a:prstGeom>
+          <a:noFill/>
+        </p:spPr>
+        <p:txBody>
+          <a:bodyPr wrap="square" rtlCol="0">
+            <a:spAutoFit/>
+          </a:bodyPr>
+          <a:lstStyle/>
+          <a:p>
+            <a:r>
+              <a:rPr lang="en-IN" dirty="0"/>
+              <a:t>In this query, GROUP BY clause produced a group for each combination of values in the columns listed in the GROUP BY clause. </a:t>
+            </a:r>
+          </a:p>
+        </p:txBody>
+      </p:sp>
+    </p:spTree>
+    <p:extLst>
+      <p:ext uri="{BB962C8B-B14F-4D97-AF65-F5344CB8AC3E}">
+        <p14:creationId xmlns:p14="http://schemas.microsoft.com/office/powerpoint/2010/main" val="3691563337"/>
+      </p:ext>
+    </p:extLst>
+  </p:cSld>
+  <p:clrMapOvr>
+    <a:masterClrMapping/>
+  </p:clrMapOvr>
+</p:sld>
+</file>
+
+<file path=ppt/slides/slide93.xml><?xml version="1.0" encoding="utf-8"?>
+<p:sld xmlns:a="http://schemas.openxmlformats.org/drawingml/2006/main" xmlns:r="http://schemas.openxmlformats.org/officeDocument/2006/relationships" xmlns:p="http://schemas.openxmlformats.org/presentationml/2006/main">
+  <p:cSld>
+    <p:spTree>
+      <p:nvGrpSpPr>
+        <p:cNvPr id="1" name=""/>
+        <p:cNvGrpSpPr/>
+        <p:nvPr/>
+      </p:nvGrpSpPr>
+      <p:grpSpPr>
+        <a:xfrm>
+          <a:off x="0" y="0"/>
+          <a:ext cx="0" cy="0"/>
+          <a:chOff x="0" y="0"/>
+          <a:chExt cx="0" cy="0"/>
+        </a:xfrm>
+      </p:grpSpPr>
+      <p:sp>
+        <p:nvSpPr>
+          <p:cNvPr id="2" name="Title 1">
+            <a:extLst>
+              <a:ext uri="{FF2B5EF4-FFF2-40B4-BE49-F238E27FC236}">
+                <a16:creationId xmlns:a16="http://schemas.microsoft.com/office/drawing/2014/main" id="{D2BDE761-E1C7-C63E-C0B1-6025557AEEC0}"/>
+              </a:ext>
+            </a:extLst>
+          </p:cNvPr>
+          <p:cNvSpPr>
+            <a:spLocks noGrp="1"/>
+          </p:cNvSpPr>
+          <p:nvPr>
+            <p:ph type="title"/>
+          </p:nvPr>
+        </p:nvSpPr>
+        <p:spPr/>
+        <p:txBody>
+          <a:bodyPr>
+            <a:normAutofit fontScale="90000"/>
+          </a:bodyPr>
+          <a:lstStyle/>
+          <a:p>
+            <a:r>
+              <a:rPr lang="en-IN" dirty="0"/>
+              <a:t>HAVING clause</a:t>
+            </a:r>
+          </a:p>
+        </p:txBody>
+      </p:sp>
+      <p:sp>
+        <p:nvSpPr>
+          <p:cNvPr id="4" name="Rectangle 1">
+            <a:extLst>
+              <a:ext uri="{FF2B5EF4-FFF2-40B4-BE49-F238E27FC236}">
+                <a16:creationId xmlns:a16="http://schemas.microsoft.com/office/drawing/2014/main" id="{1D286218-0327-047F-2321-FACA48D42326}"/>
+              </a:ext>
+            </a:extLst>
+          </p:cNvPr>
+          <p:cNvSpPr>
+            <a:spLocks noGrp="1" noChangeArrowheads="1"/>
+          </p:cNvSpPr>
+          <p:nvPr>
+            <p:ph type="body" idx="1"/>
+          </p:nvPr>
+        </p:nvSpPr>
+        <p:spPr bwMode="auto">
+          <a:xfrm>
+            <a:off x="311700" y="1213166"/>
+            <a:ext cx="7316426" cy="461665"/>
+          </a:xfrm>
+          <a:prstGeom prst="rect">
+            <a:avLst/>
+          </a:prstGeom>
+          <a:noFill/>
+          <a:ln>
+            <a:noFill/>
+          </a:ln>
+          <a:effectLst/>
+          <a:extLst>
+            <a:ext uri="{909E8E84-426E-40DD-AFC4-6F175D3DCCD1}">
+              <a14:hiddenFill xmlns:a14="http://schemas.microsoft.com/office/drawing/2010/main">
+                <a:solidFill>
+                  <a:schemeClr val="accent1"/>
+                </a:solidFill>
+              </a14:hiddenFill>
+            </a:ext>
+            <a:ext uri="{91240B29-F687-4F45-9708-019B960494DF}">
+              <a14:hiddenLine xmlns:a14="http://schemas.microsoft.com/office/drawing/2010/main" w="9525">
+                <a:solidFill>
+                  <a:schemeClr val="tx1"/>
+                </a:solidFill>
+                <a:miter lim="800000"/>
+                <a:headEnd/>
+                <a:tailEnd/>
+              </a14:hiddenLine>
+            </a:ext>
+            <a:ext uri="{AF507438-7753-43E0-B8FC-AC1667EBCBE1}">
+              <a14:hiddenEffects xmlns:a14="http://schemas.microsoft.com/office/drawing/2010/main">
+                <a:effectLst>
+                  <a:outerShdw dist="35921" dir="2700000" algn="ctr" rotWithShape="0">
+                    <a:schemeClr val="bg2"/>
+                  </a:outerShdw>
+                </a:effectLst>
+              </a14:hiddenEffects>
+            </a:ext>
+          </a:extLst>
+        </p:spPr>
+        <p:txBody>
+          <a:bodyPr vert="horz" wrap="none" lIns="91440" tIns="45720" rIns="91440" bIns="45720" numCol="1" anchor="ctr" anchorCtr="0" compatLnSpc="1">
+            <a:prstTxWarp prst="textNoShape">
+              <a:avLst/>
+            </a:prstTxWarp>
+            <a:spAutoFit/>
+          </a:bodyPr>
+          <a:lstStyle>
+            <a:lvl1pPr eaLnBrk="0" fontAlgn="base" hangingPunct="0">
+              <a:spcBef>
+                <a:spcPct val="0"/>
+              </a:spcBef>
+              <a:spcAft>
+                <a:spcPct val="0"/>
+              </a:spcAft>
+              <a:defRPr>
+                <a:solidFill>
+                  <a:schemeClr val="tx1"/>
+                </a:solidFill>
+                <a:latin typeface="Arial" panose="020B0604020202020204" pitchFamily="34" charset="0"/>
+              </a:defRPr>
+            </a:lvl1pPr>
+            <a:lvl2pPr marL="457200" eaLnBrk="0" fontAlgn="base" hangingPunct="0">
+              <a:spcBef>
+                <a:spcPct val="0"/>
+              </a:spcBef>
+              <a:spcAft>
+                <a:spcPct val="0"/>
+              </a:spcAft>
+              <a:defRPr>
+                <a:solidFill>
+                  <a:schemeClr val="tx1"/>
+                </a:solidFill>
+                <a:latin typeface="Arial" panose="020B0604020202020204" pitchFamily="34" charset="0"/>
+              </a:defRPr>
+            </a:lvl2pPr>
+            <a:lvl3pPr marL="914400" eaLnBrk="0" fontAlgn="base" hangingPunct="0">
+              <a:spcBef>
+                <a:spcPct val="0"/>
+              </a:spcBef>
+              <a:spcAft>
+                <a:spcPct val="0"/>
+              </a:spcAft>
+              <a:defRPr>
+                <a:solidFill>
+                  <a:schemeClr val="tx1"/>
+                </a:solidFill>
+                <a:latin typeface="Arial" panose="020B0604020202020204" pitchFamily="34" charset="0"/>
+              </a:defRPr>
+            </a:lvl3pPr>
+            <a:lvl4pPr marL="1371600" eaLnBrk="0" fontAlgn="base" hangingPunct="0">
+              <a:spcBef>
+                <a:spcPct val="0"/>
+              </a:spcBef>
+              <a:spcAft>
+                <a:spcPct val="0"/>
+              </a:spcAft>
+              <a:defRPr>
+                <a:solidFill>
+                  <a:schemeClr val="tx1"/>
+                </a:solidFill>
+                <a:latin typeface="Arial" panose="020B0604020202020204" pitchFamily="34" charset="0"/>
+              </a:defRPr>
+            </a:lvl4pPr>
+            <a:lvl5pPr marL="1828800" eaLnBrk="0" fontAlgn="base" hangingPunct="0">
+              <a:spcBef>
+                <a:spcPct val="0"/>
+              </a:spcBef>
+              <a:spcAft>
+                <a:spcPct val="0"/>
+              </a:spcAft>
+              <a:defRPr>
+                <a:solidFill>
+                  <a:schemeClr val="tx1"/>
+                </a:solidFill>
+                <a:latin typeface="Arial" panose="020B0604020202020204" pitchFamily="34" charset="0"/>
+              </a:defRPr>
+            </a:lvl5pPr>
+            <a:lvl6pPr marL="2286000" eaLnBrk="0" fontAlgn="base" hangingPunct="0">
+              <a:spcBef>
+                <a:spcPct val="0"/>
+              </a:spcBef>
+              <a:spcAft>
+                <a:spcPct val="0"/>
+              </a:spcAft>
+              <a:defRPr>
+                <a:solidFill>
+                  <a:schemeClr val="tx1"/>
+                </a:solidFill>
+                <a:latin typeface="Arial" panose="020B0604020202020204" pitchFamily="34" charset="0"/>
+              </a:defRPr>
+            </a:lvl6pPr>
+            <a:lvl7pPr marL="2743200" eaLnBrk="0" fontAlgn="base" hangingPunct="0">
+              <a:spcBef>
+                <a:spcPct val="0"/>
+              </a:spcBef>
+              <a:spcAft>
+                <a:spcPct val="0"/>
+              </a:spcAft>
+              <a:defRPr>
+                <a:solidFill>
+                  <a:schemeClr val="tx1"/>
+                </a:solidFill>
+                <a:latin typeface="Arial" panose="020B0604020202020204" pitchFamily="34" charset="0"/>
+              </a:defRPr>
+            </a:lvl7pPr>
+            <a:lvl8pPr marL="3200400" eaLnBrk="0" fontAlgn="base" hangingPunct="0">
+              <a:spcBef>
+                <a:spcPct val="0"/>
+              </a:spcBef>
+              <a:spcAft>
+                <a:spcPct val="0"/>
+              </a:spcAft>
+              <a:defRPr>
+                <a:solidFill>
+                  <a:schemeClr val="tx1"/>
+                </a:solidFill>
+                <a:latin typeface="Arial" panose="020B0604020202020204" pitchFamily="34" charset="0"/>
+              </a:defRPr>
+            </a:lvl8pPr>
+            <a:lvl9pPr marL="3657600" eaLnBrk="0" fontAlgn="base" hangingPunct="0">
+              <a:spcBef>
+                <a:spcPct val="0"/>
+              </a:spcBef>
+              <a:spcAft>
+                <a:spcPct val="0"/>
+              </a:spcAft>
+              <a:defRPr>
+                <a:solidFill>
+                  <a:schemeClr val="tx1"/>
+                </a:solidFill>
+                <a:latin typeface="Arial" panose="020B0604020202020204" pitchFamily="34" charset="0"/>
+              </a:defRPr>
+            </a:lvl9pPr>
+          </a:lstStyle>
+          <a:p>
+            <a:pPr marL="0" marR="0" lvl="0" indent="0" algn="l" defTabSz="914400" rtl="0" eaLnBrk="0" fontAlgn="base" latinLnBrk="0" hangingPunct="0">
+              <a:lnSpc>
+                <a:spcPct val="100000"/>
+              </a:lnSpc>
+              <a:spcBef>
+                <a:spcPct val="0"/>
+              </a:spcBef>
+              <a:spcAft>
+                <a:spcPct val="0"/>
+              </a:spcAft>
+              <a:buClrTx/>
+              <a:buSzTx/>
+              <a:buFontTx/>
+              <a:buNone/>
+              <a:tabLst/>
+            </a:pPr>
+            <a:r>
+              <a:rPr kumimoji="0" lang="en-US" altLang="en-US" sz="1200" b="0" i="0" u="none" strike="noStrike" cap="none" normalizeH="0" baseline="0" dirty="0">
+                <a:ln>
+                  <a:noFill/>
+                </a:ln>
+                <a:solidFill>
+                  <a:srgbClr val="000000"/>
+                </a:solidFill>
+                <a:effectLst/>
+                <a:latin typeface="-apple-system"/>
+              </a:rPr>
+              <a:t>The </a:t>
+            </a:r>
+            <a:r>
+              <a:rPr kumimoji="0" lang="en-US" altLang="en-US" sz="1200" b="0" i="0" u="none" strike="noStrike" cap="none" normalizeH="0" baseline="0" dirty="0">
+                <a:ln>
+                  <a:noFill/>
+                </a:ln>
+                <a:solidFill>
+                  <a:schemeClr val="tx1"/>
+                </a:solidFill>
+                <a:effectLst/>
+                <a:latin typeface="var(--font-family-code)"/>
+              </a:rPr>
+              <a:t>HAVING</a:t>
+            </a:r>
+            <a:r>
+              <a:rPr kumimoji="0" lang="en-US" altLang="en-US" sz="1200" b="0" i="0" u="none" strike="noStrike" cap="none" normalizeH="0" baseline="0" dirty="0">
+                <a:ln>
+                  <a:noFill/>
+                </a:ln>
+                <a:solidFill>
+                  <a:srgbClr val="000000"/>
+                </a:solidFill>
+                <a:effectLst/>
+                <a:latin typeface="-apple-system"/>
+              </a:rPr>
+              <a:t> clause is often used with the </a:t>
+            </a:r>
+            <a:r>
+              <a:rPr kumimoji="0" lang="en-US" altLang="en-US" sz="1200" b="0" i="0" u="none" strike="noStrike" cap="none" normalizeH="0" baseline="0" dirty="0">
+                <a:ln>
+                  <a:noFill/>
+                </a:ln>
+                <a:solidFill>
+                  <a:schemeClr val="tx1"/>
+                </a:solidFill>
+                <a:effectLst/>
+                <a:latin typeface="var(--font-family-code)"/>
+                <a:hlinkClick r:id="rId2"/>
+              </a:rPr>
+              <a:t>GROUP BY</a:t>
+            </a:r>
+            <a:r>
+              <a:rPr kumimoji="0" lang="en-US" altLang="en-US" sz="1200" b="0" i="0" u="none" strike="noStrike" cap="none" normalizeH="0" baseline="0" dirty="0">
+                <a:ln>
+                  <a:noFill/>
+                </a:ln>
+                <a:solidFill>
+                  <a:srgbClr val="000000"/>
+                </a:solidFill>
+                <a:effectLst/>
+                <a:latin typeface="-apple-system"/>
+              </a:rPr>
+              <a:t> clause to filter groups based on a specified list of conditions. </a:t>
+            </a:r>
+          </a:p>
+          <a:p>
+            <a:pPr marL="0" marR="0" lvl="0" indent="0" algn="l" defTabSz="914400" rtl="0" eaLnBrk="0" fontAlgn="base" latinLnBrk="0" hangingPunct="0">
+              <a:lnSpc>
+                <a:spcPct val="100000"/>
+              </a:lnSpc>
+              <a:spcBef>
+                <a:spcPct val="0"/>
+              </a:spcBef>
+              <a:spcAft>
+                <a:spcPct val="0"/>
+              </a:spcAft>
+              <a:buClrTx/>
+              <a:buSzTx/>
+              <a:buFontTx/>
+              <a:buNone/>
+              <a:tabLst/>
+            </a:pPr>
+            <a:r>
+              <a:rPr kumimoji="0" lang="en-US" altLang="en-US" sz="1200" b="0" i="0" u="none" strike="noStrike" cap="none" normalizeH="0" baseline="0" dirty="0">
+                <a:ln>
+                  <a:noFill/>
+                </a:ln>
+                <a:solidFill>
+                  <a:srgbClr val="000000"/>
+                </a:solidFill>
+                <a:effectLst/>
+                <a:latin typeface="-apple-system"/>
+              </a:rPr>
+              <a:t>The following illustrates the </a:t>
+            </a:r>
+            <a:r>
+              <a:rPr kumimoji="0" lang="en-US" altLang="en-US" sz="1200" b="0" i="0" u="none" strike="noStrike" cap="none" normalizeH="0" baseline="0" dirty="0">
+                <a:ln>
+                  <a:noFill/>
+                </a:ln>
+                <a:solidFill>
+                  <a:schemeClr val="tx1"/>
+                </a:solidFill>
+                <a:effectLst/>
+                <a:latin typeface="var(--font-family-code)"/>
+              </a:rPr>
+              <a:t>HAVING</a:t>
+            </a:r>
+            <a:r>
+              <a:rPr kumimoji="0" lang="en-US" altLang="en-US" sz="1200" b="0" i="0" u="none" strike="noStrike" cap="none" normalizeH="0" baseline="0" dirty="0">
+                <a:ln>
+                  <a:noFill/>
+                </a:ln>
+                <a:solidFill>
+                  <a:srgbClr val="000000"/>
+                </a:solidFill>
+                <a:effectLst/>
+                <a:latin typeface="-apple-system"/>
+              </a:rPr>
+              <a:t> clause syntax:</a:t>
+            </a:r>
+            <a:r>
+              <a:rPr kumimoji="0" lang="en-US" altLang="en-US" sz="1200" b="0" i="0" u="none" strike="noStrike" cap="none" normalizeH="0" baseline="0" dirty="0">
+                <a:ln>
+                  <a:noFill/>
+                </a:ln>
+                <a:solidFill>
+                  <a:schemeClr val="tx1"/>
+                </a:solidFill>
+                <a:effectLst/>
+              </a:rPr>
+              <a:t> </a:t>
+            </a:r>
+            <a:endParaRPr kumimoji="0" lang="en-US" altLang="en-US" sz="1200" b="0" i="0" u="none" strike="noStrike" cap="none" normalizeH="0" baseline="0" dirty="0">
+              <a:ln>
+                <a:noFill/>
+              </a:ln>
+              <a:solidFill>
+                <a:schemeClr val="tx1"/>
+              </a:solidFill>
+              <a:effectLst/>
+              <a:latin typeface="Arial" panose="020B0604020202020204" pitchFamily="34" charset="0"/>
+            </a:endParaRPr>
+          </a:p>
+        </p:txBody>
+      </p:sp>
+      <p:sp>
+        <p:nvSpPr>
+          <p:cNvPr id="5" name="TextBox 4">
+            <a:extLst>
+              <a:ext uri="{FF2B5EF4-FFF2-40B4-BE49-F238E27FC236}">
+                <a16:creationId xmlns:a16="http://schemas.microsoft.com/office/drawing/2014/main" id="{12D6FEB0-3E60-E505-3E20-71F6AB2A6662}"/>
+              </a:ext>
+            </a:extLst>
+          </p:cNvPr>
+          <p:cNvSpPr txBox="1"/>
+          <p:nvPr/>
+        </p:nvSpPr>
+        <p:spPr>
+          <a:xfrm>
+            <a:off x="311700" y="2457861"/>
+            <a:ext cx="3242869" cy="2123658"/>
+          </a:xfrm>
+          <a:prstGeom prst="rect">
+            <a:avLst/>
+          </a:prstGeom>
+          <a:noFill/>
+        </p:spPr>
+        <p:txBody>
+          <a:bodyPr wrap="square" rtlCol="0">
+            <a:spAutoFit/>
+          </a:bodyPr>
+          <a:lstStyle/>
+          <a:p>
+            <a:r>
+              <a:rPr lang="en-IN" sz="1100" dirty="0"/>
+              <a:t>Syntax: the GROUP BY clause summarizes the rows into groups and the HAVING clause applies one or more conditions to these groups. </a:t>
+            </a:r>
+          </a:p>
+          <a:p>
+            <a:endParaRPr lang="en-IN" sz="1100" dirty="0"/>
+          </a:p>
+          <a:p>
+            <a:r>
+              <a:rPr lang="en-IN" sz="1100" dirty="0"/>
+              <a:t>SELECT </a:t>
+            </a:r>
+          </a:p>
+          <a:p>
+            <a:r>
+              <a:rPr lang="en-IN" sz="1100" dirty="0"/>
+              <a:t> </a:t>
+            </a:r>
+            <a:r>
+              <a:rPr lang="en-IN" sz="1100" dirty="0" err="1"/>
+              <a:t>select_list</a:t>
+            </a:r>
+            <a:r>
+              <a:rPr lang="en-IN" sz="1100" dirty="0"/>
+              <a:t> </a:t>
+            </a:r>
+          </a:p>
+          <a:p>
+            <a:r>
+              <a:rPr lang="en-IN" sz="1100" dirty="0"/>
+              <a:t>FROM </a:t>
+            </a:r>
+          </a:p>
+          <a:p>
+            <a:r>
+              <a:rPr lang="en-IN" sz="1100" dirty="0"/>
+              <a:t> </a:t>
+            </a:r>
+            <a:r>
+              <a:rPr lang="en-IN" sz="1100" dirty="0" err="1"/>
+              <a:t>table_name</a:t>
+            </a:r>
+            <a:endParaRPr lang="en-IN" sz="1100" dirty="0"/>
+          </a:p>
+          <a:p>
+            <a:r>
+              <a:rPr lang="en-IN" sz="1100" dirty="0"/>
+              <a:t>GROUP BY </a:t>
+            </a:r>
+          </a:p>
+          <a:p>
+            <a:r>
+              <a:rPr lang="en-IN" sz="1100" dirty="0"/>
+              <a:t> </a:t>
+            </a:r>
+            <a:r>
+              <a:rPr lang="en-IN" sz="1100" dirty="0" err="1"/>
+              <a:t>group_list</a:t>
+            </a:r>
+            <a:endParaRPr lang="en-IN" sz="1100" dirty="0"/>
+          </a:p>
+          <a:p>
+            <a:r>
+              <a:rPr lang="en-IN" sz="1100" dirty="0"/>
+              <a:t>HAVING</a:t>
+            </a:r>
+          </a:p>
+          <a:p>
+            <a:r>
+              <a:rPr lang="en-IN" sz="1100" dirty="0"/>
+              <a:t> conditions;</a:t>
+            </a:r>
+          </a:p>
+        </p:txBody>
+      </p:sp>
+      <p:pic>
+        <p:nvPicPr>
+          <p:cNvPr id="7" name="Picture 6">
+            <a:extLst>
+              <a:ext uri="{FF2B5EF4-FFF2-40B4-BE49-F238E27FC236}">
+                <a16:creationId xmlns:a16="http://schemas.microsoft.com/office/drawing/2014/main" id="{B3D60D37-5B8E-98BF-C593-C68A8A4CCE6D}"/>
+              </a:ext>
+            </a:extLst>
+          </p:cNvPr>
+          <p:cNvPicPr>
+            <a:picLocks noChangeAspect="1"/>
+          </p:cNvPicPr>
+          <p:nvPr/>
+        </p:nvPicPr>
+        <p:blipFill>
+          <a:blip r:embed="rId3"/>
+          <a:stretch>
+            <a:fillRect/>
+          </a:stretch>
+        </p:blipFill>
+        <p:spPr>
+          <a:xfrm>
+            <a:off x="3885098" y="1747979"/>
+            <a:ext cx="2313683" cy="2866314"/>
+          </a:xfrm>
+          <a:prstGeom prst="rect">
+            <a:avLst/>
+          </a:prstGeom>
+        </p:spPr>
+      </p:pic>
+      <p:pic>
+        <p:nvPicPr>
+          <p:cNvPr id="10" name="Picture 9">
+            <a:extLst>
+              <a:ext uri="{FF2B5EF4-FFF2-40B4-BE49-F238E27FC236}">
+                <a16:creationId xmlns:a16="http://schemas.microsoft.com/office/drawing/2014/main" id="{775C67FD-B3C1-DAF9-EA3A-D81C9BE4C4D6}"/>
+              </a:ext>
+            </a:extLst>
+          </p:cNvPr>
+          <p:cNvPicPr>
+            <a:picLocks noChangeAspect="1"/>
+          </p:cNvPicPr>
+          <p:nvPr/>
+        </p:nvPicPr>
+        <p:blipFill>
+          <a:blip r:embed="rId4"/>
+          <a:stretch>
+            <a:fillRect/>
+          </a:stretch>
+        </p:blipFill>
+        <p:spPr>
+          <a:xfrm>
+            <a:off x="6529310" y="2147673"/>
+            <a:ext cx="2209800" cy="2066925"/>
+          </a:xfrm>
+          <a:prstGeom prst="rect">
+            <a:avLst/>
+          </a:prstGeom>
+        </p:spPr>
+      </p:pic>
+    </p:spTree>
+    <p:extLst>
+      <p:ext uri="{BB962C8B-B14F-4D97-AF65-F5344CB8AC3E}">
+        <p14:creationId xmlns:p14="http://schemas.microsoft.com/office/powerpoint/2010/main" val="2890241305"/>
+      </p:ext>
+    </p:extLst>
+  </p:cSld>
+  <p:clrMapOvr>
+    <a:masterClrMapping/>
+  </p:clrMapOvr>
+</p:sld>
+</file>
+
+<file path=ppt/slides/slide94.xml><?xml version="1.0" encoding="utf-8"?>
+<p:sld xmlns:a="http://schemas.openxmlformats.org/drawingml/2006/main" xmlns:r="http://schemas.openxmlformats.org/officeDocument/2006/relationships" xmlns:p="http://schemas.openxmlformats.org/presentationml/2006/main">
+  <p:cSld>
+    <p:spTree>
+      <p:nvGrpSpPr>
+        <p:cNvPr id="1" name=""/>
+        <p:cNvGrpSpPr/>
+        <p:nvPr/>
+      </p:nvGrpSpPr>
+      <p:grpSpPr>
+        <a:xfrm>
+          <a:off x="0" y="0"/>
+          <a:ext cx="0" cy="0"/>
+          <a:chOff x="0" y="0"/>
+          <a:chExt cx="0" cy="0"/>
+        </a:xfrm>
+      </p:grpSpPr>
+      <p:sp>
+        <p:nvSpPr>
+          <p:cNvPr id="2" name="Title 1">
+            <a:extLst>
+              <a:ext uri="{FF2B5EF4-FFF2-40B4-BE49-F238E27FC236}">
+                <a16:creationId xmlns:a16="http://schemas.microsoft.com/office/drawing/2014/main" id="{9205E977-D156-248E-208C-8EE5DD23BCE0}"/>
+              </a:ext>
+            </a:extLst>
+          </p:cNvPr>
+          <p:cNvSpPr>
+            <a:spLocks noGrp="1"/>
+          </p:cNvSpPr>
+          <p:nvPr>
+            <p:ph type="title"/>
+          </p:nvPr>
+        </p:nvSpPr>
+        <p:spPr/>
+        <p:txBody>
+          <a:bodyPr>
+            <a:normAutofit fontScale="90000"/>
+          </a:bodyPr>
+          <a:lstStyle/>
+          <a:p>
+            <a:r>
+              <a:rPr lang="en-IN" dirty="0"/>
+              <a:t>GROUPING SETS in SQL</a:t>
+            </a:r>
+          </a:p>
+        </p:txBody>
+      </p:sp>
+      <p:sp>
+        <p:nvSpPr>
+          <p:cNvPr id="3" name="Text Placeholder 2">
+            <a:extLst>
+              <a:ext uri="{FF2B5EF4-FFF2-40B4-BE49-F238E27FC236}">
+                <a16:creationId xmlns:a16="http://schemas.microsoft.com/office/drawing/2014/main" id="{800382EE-CBE0-15D1-CA44-824DB8519C18}"/>
+              </a:ext>
+            </a:extLst>
+          </p:cNvPr>
+          <p:cNvSpPr>
+            <a:spLocks noGrp="1"/>
+          </p:cNvSpPr>
+          <p:nvPr>
+            <p:ph type="body" idx="1"/>
+          </p:nvPr>
+        </p:nvSpPr>
+        <p:spPr>
+          <a:xfrm>
+            <a:off x="311700" y="1152474"/>
+            <a:ext cx="8520600" cy="1540621"/>
+          </a:xfrm>
+        </p:spPr>
+        <p:txBody>
+          <a:bodyPr>
+            <a:normAutofit fontScale="85000" lnSpcReduction="20000"/>
+          </a:bodyPr>
+          <a:lstStyle/>
+          <a:p>
+            <a:pPr marL="114300" indent="0">
+              <a:buNone/>
+            </a:pPr>
+            <a:r>
+              <a:rPr lang="en-IN" dirty="0">
+                <a:solidFill>
+                  <a:srgbClr val="000000"/>
+                </a:solidFill>
+                <a:latin typeface="-apple-system"/>
+              </a:rPr>
+              <a:t>A</a:t>
+            </a:r>
+            <a:r>
+              <a:rPr lang="en-IN" b="0" i="0" dirty="0">
+                <a:solidFill>
+                  <a:srgbClr val="000000"/>
+                </a:solidFill>
+                <a:effectLst/>
+                <a:latin typeface="-apple-system"/>
+              </a:rPr>
+              <a:t> grouping set is a group of columns by which you group. Typically, a single query with an </a:t>
+            </a:r>
+            <a:r>
+              <a:rPr lang="en-IN" b="0" i="0" u="none" strike="noStrike" dirty="0">
+                <a:effectLst/>
+                <a:latin typeface="-apple-system"/>
+                <a:hlinkClick r:id="rId2"/>
+              </a:rPr>
+              <a:t>aggregate</a:t>
+            </a:r>
+            <a:r>
+              <a:rPr lang="en-IN" b="0" i="0" dirty="0">
+                <a:solidFill>
+                  <a:srgbClr val="000000"/>
+                </a:solidFill>
+                <a:effectLst/>
+                <a:latin typeface="-apple-system"/>
+              </a:rPr>
+              <a:t> defines a single grouping set.</a:t>
+            </a:r>
+          </a:p>
+          <a:p>
+            <a:pPr marL="114300" indent="0">
+              <a:buNone/>
+            </a:pPr>
+            <a:endParaRPr lang="en-IN" dirty="0">
+              <a:solidFill>
+                <a:srgbClr val="000000"/>
+              </a:solidFill>
+              <a:latin typeface="-apple-system"/>
+            </a:endParaRPr>
+          </a:p>
+          <a:p>
+            <a:pPr marL="114300" indent="0">
+              <a:buNone/>
+            </a:pPr>
+            <a:r>
+              <a:rPr lang="en-IN" b="0" i="0" dirty="0">
+                <a:solidFill>
+                  <a:srgbClr val="000000"/>
+                </a:solidFill>
+                <a:effectLst/>
+                <a:latin typeface="-apple-system"/>
+              </a:rPr>
+              <a:t>The following query defines a grouping set includes brand &amp; category which is denoted as (brand, category. </a:t>
+            </a:r>
+          </a:p>
+          <a:p>
+            <a:pPr marL="114300" indent="0">
+              <a:buNone/>
+            </a:pPr>
+            <a:r>
+              <a:rPr lang="en-IN" dirty="0">
+                <a:solidFill>
+                  <a:srgbClr val="000000"/>
+                </a:solidFill>
+                <a:latin typeface="-apple-system"/>
+              </a:rPr>
+              <a:t>The query returns the sales amount grouped by brand &amp; category. </a:t>
+            </a:r>
+          </a:p>
+          <a:p>
+            <a:pPr marL="114300" indent="0">
+              <a:buNone/>
+            </a:pPr>
+            <a:endParaRPr lang="en-IN" b="0" i="0" dirty="0">
+              <a:solidFill>
+                <a:srgbClr val="000000"/>
+              </a:solidFill>
+              <a:effectLst/>
+              <a:latin typeface="-apple-system"/>
+            </a:endParaRPr>
+          </a:p>
+          <a:p>
+            <a:pPr marL="114300" indent="0">
+              <a:buNone/>
+            </a:pPr>
+            <a:endParaRPr lang="en-IN" dirty="0">
+              <a:solidFill>
+                <a:srgbClr val="000000"/>
+              </a:solidFill>
+              <a:latin typeface="-apple-system"/>
+            </a:endParaRPr>
+          </a:p>
+          <a:p>
+            <a:pPr marL="114300" indent="0">
+              <a:buNone/>
+            </a:pPr>
+            <a:endParaRPr lang="en-IN" dirty="0"/>
+          </a:p>
+        </p:txBody>
+      </p:sp>
+      <p:pic>
+        <p:nvPicPr>
+          <p:cNvPr id="7" name="Picture 6">
+            <a:extLst>
+              <a:ext uri="{FF2B5EF4-FFF2-40B4-BE49-F238E27FC236}">
+                <a16:creationId xmlns:a16="http://schemas.microsoft.com/office/drawing/2014/main" id="{7DF43F0E-6186-BBBE-C41C-EE612F7EE29E}"/>
+              </a:ext>
+            </a:extLst>
+          </p:cNvPr>
+          <p:cNvPicPr>
+            <a:picLocks noChangeAspect="1"/>
+          </p:cNvPicPr>
+          <p:nvPr/>
+        </p:nvPicPr>
+        <p:blipFill>
+          <a:blip r:embed="rId3"/>
+          <a:stretch>
+            <a:fillRect/>
+          </a:stretch>
+        </p:blipFill>
+        <p:spPr>
+          <a:xfrm>
+            <a:off x="897699" y="2717269"/>
+            <a:ext cx="1607506" cy="2197762"/>
+          </a:xfrm>
+          <a:prstGeom prst="rect">
+            <a:avLst/>
+          </a:prstGeom>
+        </p:spPr>
+      </p:pic>
+    </p:spTree>
+    <p:extLst>
+      <p:ext uri="{BB962C8B-B14F-4D97-AF65-F5344CB8AC3E}">
+        <p14:creationId xmlns:p14="http://schemas.microsoft.com/office/powerpoint/2010/main" val="2611527195"/>
+      </p:ext>
+    </p:extLst>
+  </p:cSld>
+  <p:clrMapOvr>
+    <a:masterClrMapping/>
+  </p:clrMapOvr>
+</p:sld>
+</file>
+
+<file path=ppt/slides/slide95.xml><?xml version="1.0" encoding="utf-8"?>
+<p:sld xmlns:a="http://schemas.openxmlformats.org/drawingml/2006/main" xmlns:r="http://schemas.openxmlformats.org/officeDocument/2006/relationships" xmlns:p="http://schemas.openxmlformats.org/presentationml/2006/main">
+  <p:cSld>
+    <p:spTree>
+      <p:nvGrpSpPr>
+        <p:cNvPr id="1" name=""/>
+        <p:cNvGrpSpPr/>
+        <p:nvPr/>
+      </p:nvGrpSpPr>
+      <p:grpSpPr>
+        <a:xfrm>
+          <a:off x="0" y="0"/>
+          <a:ext cx="0" cy="0"/>
+          <a:chOff x="0" y="0"/>
+          <a:chExt cx="0" cy="0"/>
+        </a:xfrm>
+      </p:grpSpPr>
+      <p:sp>
+        <p:nvSpPr>
+          <p:cNvPr id="2" name="Title 1">
+            <a:extLst>
+              <a:ext uri="{FF2B5EF4-FFF2-40B4-BE49-F238E27FC236}">
+                <a16:creationId xmlns:a16="http://schemas.microsoft.com/office/drawing/2014/main" id="{91DE07DA-FE17-ACD5-04AE-26D21009948D}"/>
+              </a:ext>
+            </a:extLst>
+          </p:cNvPr>
+          <p:cNvSpPr>
+            <a:spLocks noGrp="1"/>
+          </p:cNvSpPr>
+          <p:nvPr>
+            <p:ph type="title"/>
+          </p:nvPr>
+        </p:nvSpPr>
+        <p:spPr/>
+        <p:txBody>
+          <a:bodyPr>
+            <a:normAutofit fontScale="90000"/>
+          </a:bodyPr>
+          <a:lstStyle/>
+          <a:p>
+            <a:r>
+              <a:rPr lang="en-IN" dirty="0"/>
+              <a:t>OFFSET &amp; FETCH Clause in </a:t>
+            </a:r>
+            <a:r>
+              <a:rPr lang="en-IN" dirty="0" err="1"/>
+              <a:t>tSQL</a:t>
+            </a:r>
+            <a:endParaRPr lang="en-IN" dirty="0"/>
+          </a:p>
+        </p:txBody>
+      </p:sp>
+      <p:sp>
+        <p:nvSpPr>
+          <p:cNvPr id="4" name="Rectangle 1">
+            <a:extLst>
+              <a:ext uri="{FF2B5EF4-FFF2-40B4-BE49-F238E27FC236}">
+                <a16:creationId xmlns:a16="http://schemas.microsoft.com/office/drawing/2014/main" id="{F6A9B080-F782-8D0F-D806-1B939FFDB603}"/>
+              </a:ext>
+            </a:extLst>
+          </p:cNvPr>
+          <p:cNvSpPr>
+            <a:spLocks noGrp="1" noChangeArrowheads="1"/>
+          </p:cNvSpPr>
+          <p:nvPr>
+            <p:ph type="body" idx="1"/>
+          </p:nvPr>
+        </p:nvSpPr>
+        <p:spPr bwMode="auto">
+          <a:xfrm>
+            <a:off x="436960" y="1139245"/>
+            <a:ext cx="4588115" cy="461665"/>
+          </a:xfrm>
+          <a:prstGeom prst="rect">
+            <a:avLst/>
+          </a:prstGeom>
+          <a:solidFill>
+            <a:srgbClr val="FFFFFF"/>
+          </a:solidFill>
+          <a:ln>
+            <a:noFill/>
+          </a:ln>
+          <a:effectLst/>
+          <a:extLst>
+            <a:ext uri="{91240B29-F687-4F45-9708-019B960494DF}">
+              <a14:hiddenLine xmlns:a14="http://schemas.microsoft.com/office/drawing/2010/main" w="9525">
+                <a:solidFill>
+                  <a:schemeClr val="tx1"/>
+                </a:solidFill>
+                <a:miter lim="800000"/>
+                <a:headEnd/>
+                <a:tailEnd/>
+              </a14:hiddenLine>
+            </a:ext>
+            <a:ext uri="{AF507438-7753-43E0-B8FC-AC1667EBCBE1}">
+              <a14:hiddenEffects xmlns:a14="http://schemas.microsoft.com/office/drawing/2010/main">
+                <a:effectLst>
+                  <a:outerShdw dist="35921" dir="2700000" algn="ctr" rotWithShape="0">
+                    <a:schemeClr val="bg2"/>
+                  </a:outerShdw>
+                </a:effectLst>
+              </a14:hiddenEffects>
+            </a:ext>
+          </a:extLst>
+        </p:spPr>
+        <p:txBody>
+          <a:bodyPr vert="horz" wrap="none" lIns="91440" tIns="45720" rIns="91440" bIns="45720" numCol="1" anchor="ctr" anchorCtr="0" compatLnSpc="1">
+            <a:prstTxWarp prst="textNoShape">
+              <a:avLst/>
+            </a:prstTxWarp>
+            <a:spAutoFit/>
+          </a:bodyPr>
+          <a:lstStyle>
+            <a:lvl1pPr eaLnBrk="0" fontAlgn="base" hangingPunct="0">
+              <a:spcBef>
+                <a:spcPct val="0"/>
+              </a:spcBef>
+              <a:spcAft>
+                <a:spcPct val="0"/>
+              </a:spcAft>
+              <a:defRPr>
+                <a:solidFill>
+                  <a:schemeClr val="tx1"/>
+                </a:solidFill>
+                <a:latin typeface="Arial" panose="020B0604020202020204" pitchFamily="34" charset="0"/>
+              </a:defRPr>
+            </a:lvl1pPr>
+            <a:lvl2pPr marL="457200" eaLnBrk="0" fontAlgn="base" hangingPunct="0">
+              <a:spcBef>
+                <a:spcPct val="0"/>
+              </a:spcBef>
+              <a:spcAft>
+                <a:spcPct val="0"/>
+              </a:spcAft>
+              <a:defRPr>
+                <a:solidFill>
+                  <a:schemeClr val="tx1"/>
+                </a:solidFill>
+                <a:latin typeface="Arial" panose="020B0604020202020204" pitchFamily="34" charset="0"/>
+              </a:defRPr>
+            </a:lvl2pPr>
+            <a:lvl3pPr marL="914400" eaLnBrk="0" fontAlgn="base" hangingPunct="0">
+              <a:spcBef>
+                <a:spcPct val="0"/>
+              </a:spcBef>
+              <a:spcAft>
+                <a:spcPct val="0"/>
+              </a:spcAft>
+              <a:defRPr>
+                <a:solidFill>
+                  <a:schemeClr val="tx1"/>
+                </a:solidFill>
+                <a:latin typeface="Arial" panose="020B0604020202020204" pitchFamily="34" charset="0"/>
+              </a:defRPr>
+            </a:lvl3pPr>
+            <a:lvl4pPr marL="1371600" eaLnBrk="0" fontAlgn="base" hangingPunct="0">
+              <a:spcBef>
+                <a:spcPct val="0"/>
+              </a:spcBef>
+              <a:spcAft>
+                <a:spcPct val="0"/>
+              </a:spcAft>
+              <a:defRPr>
+                <a:solidFill>
+                  <a:schemeClr val="tx1"/>
+                </a:solidFill>
+                <a:latin typeface="Arial" panose="020B0604020202020204" pitchFamily="34" charset="0"/>
+              </a:defRPr>
+            </a:lvl4pPr>
+            <a:lvl5pPr marL="1828800" eaLnBrk="0" fontAlgn="base" hangingPunct="0">
+              <a:spcBef>
+                <a:spcPct val="0"/>
+              </a:spcBef>
+              <a:spcAft>
+                <a:spcPct val="0"/>
+              </a:spcAft>
+              <a:defRPr>
+                <a:solidFill>
+                  <a:schemeClr val="tx1"/>
+                </a:solidFill>
+                <a:latin typeface="Arial" panose="020B0604020202020204" pitchFamily="34" charset="0"/>
+              </a:defRPr>
+            </a:lvl5pPr>
+            <a:lvl6pPr marL="2286000" eaLnBrk="0" fontAlgn="base" hangingPunct="0">
+              <a:spcBef>
+                <a:spcPct val="0"/>
+              </a:spcBef>
+              <a:spcAft>
+                <a:spcPct val="0"/>
+              </a:spcAft>
+              <a:defRPr>
+                <a:solidFill>
+                  <a:schemeClr val="tx1"/>
+                </a:solidFill>
+                <a:latin typeface="Arial" panose="020B0604020202020204" pitchFamily="34" charset="0"/>
+              </a:defRPr>
+            </a:lvl6pPr>
+            <a:lvl7pPr marL="2743200" eaLnBrk="0" fontAlgn="base" hangingPunct="0">
+              <a:spcBef>
+                <a:spcPct val="0"/>
+              </a:spcBef>
+              <a:spcAft>
+                <a:spcPct val="0"/>
+              </a:spcAft>
+              <a:defRPr>
+                <a:solidFill>
+                  <a:schemeClr val="tx1"/>
+                </a:solidFill>
+                <a:latin typeface="Arial" panose="020B0604020202020204" pitchFamily="34" charset="0"/>
+              </a:defRPr>
+            </a:lvl7pPr>
+            <a:lvl8pPr marL="3200400" eaLnBrk="0" fontAlgn="base" hangingPunct="0">
+              <a:spcBef>
+                <a:spcPct val="0"/>
+              </a:spcBef>
+              <a:spcAft>
+                <a:spcPct val="0"/>
+              </a:spcAft>
+              <a:defRPr>
+                <a:solidFill>
+                  <a:schemeClr val="tx1"/>
+                </a:solidFill>
+                <a:latin typeface="Arial" panose="020B0604020202020204" pitchFamily="34" charset="0"/>
+              </a:defRPr>
+            </a:lvl8pPr>
+            <a:lvl9pPr marL="3657600" eaLnBrk="0" fontAlgn="base" hangingPunct="0">
+              <a:spcBef>
+                <a:spcPct val="0"/>
+              </a:spcBef>
+              <a:spcAft>
+                <a:spcPct val="0"/>
+              </a:spcAft>
+              <a:defRPr>
+                <a:solidFill>
+                  <a:schemeClr val="tx1"/>
+                </a:solidFill>
+                <a:latin typeface="Arial" panose="020B0604020202020204" pitchFamily="34" charset="0"/>
+              </a:defRPr>
+            </a:lvl9pPr>
+          </a:lstStyle>
+          <a:p>
+            <a:pPr marL="0" marR="0" lvl="0" indent="0" algn="l" defTabSz="914400" rtl="0" eaLnBrk="0" fontAlgn="base" latinLnBrk="0" hangingPunct="0">
+              <a:lnSpc>
+                <a:spcPct val="100000"/>
+              </a:lnSpc>
+              <a:spcBef>
+                <a:spcPct val="0"/>
+              </a:spcBef>
+              <a:spcAft>
+                <a:spcPct val="0"/>
+              </a:spcAft>
+              <a:buClrTx/>
+              <a:buSzTx/>
+              <a:buFontTx/>
+              <a:buNone/>
+              <a:tabLst/>
+            </a:pPr>
+            <a:r>
+              <a:rPr kumimoji="0" lang="en-US" altLang="en-US" sz="1200" b="0" i="0" u="none" strike="noStrike" cap="none" normalizeH="0" baseline="0" dirty="0">
+                <a:ln>
+                  <a:noFill/>
+                </a:ln>
+                <a:solidFill>
+                  <a:srgbClr val="000000"/>
+                </a:solidFill>
+                <a:effectLst/>
+                <a:latin typeface="-apple-system"/>
+              </a:rPr>
+              <a:t>The </a:t>
+            </a:r>
+            <a:r>
+              <a:rPr kumimoji="0" lang="en-US" altLang="en-US" sz="1000" b="0" i="0" u="none" strike="noStrike" cap="none" normalizeH="0" baseline="0" dirty="0">
+                <a:ln>
+                  <a:noFill/>
+                </a:ln>
+                <a:solidFill>
+                  <a:schemeClr val="tx1"/>
+                </a:solidFill>
+                <a:effectLst/>
+                <a:latin typeface="var(--font-family-code)"/>
+              </a:rPr>
+              <a:t>OFFSET</a:t>
+            </a:r>
+            <a:r>
+              <a:rPr kumimoji="0" lang="en-US" altLang="en-US" sz="1200" b="0" i="0" u="none" strike="noStrike" cap="none" normalizeH="0" baseline="0" dirty="0">
+                <a:ln>
+                  <a:noFill/>
+                </a:ln>
+                <a:solidFill>
+                  <a:srgbClr val="000000"/>
+                </a:solidFill>
+                <a:effectLst/>
+                <a:latin typeface="-apple-system"/>
+              </a:rPr>
+              <a:t> and </a:t>
+            </a:r>
+            <a:r>
+              <a:rPr kumimoji="0" lang="en-US" altLang="en-US" sz="1000" b="0" i="0" u="none" strike="noStrike" cap="none" normalizeH="0" baseline="0" dirty="0">
+                <a:ln>
+                  <a:noFill/>
+                </a:ln>
+                <a:solidFill>
+                  <a:schemeClr val="tx1"/>
+                </a:solidFill>
+                <a:effectLst/>
+                <a:latin typeface="var(--font-family-code)"/>
+              </a:rPr>
+              <a:t>FETCH</a:t>
+            </a:r>
+            <a:r>
+              <a:rPr kumimoji="0" lang="en-US" altLang="en-US" sz="1200" b="0" i="0" u="none" strike="noStrike" cap="none" normalizeH="0" baseline="0" dirty="0">
+                <a:ln>
+                  <a:noFill/>
+                </a:ln>
+                <a:solidFill>
+                  <a:srgbClr val="000000"/>
+                </a:solidFill>
+                <a:effectLst/>
+                <a:latin typeface="-apple-system"/>
+              </a:rPr>
+              <a:t> clauses are the options of the </a:t>
+            </a:r>
+            <a:r>
+              <a:rPr kumimoji="0" lang="en-US" altLang="en-US" sz="1000" b="0" i="0" u="none" strike="noStrike" cap="none" normalizeH="0" baseline="0" dirty="0">
+                <a:ln>
+                  <a:noFill/>
+                </a:ln>
+                <a:solidFill>
+                  <a:schemeClr val="tx1"/>
+                </a:solidFill>
+                <a:effectLst/>
+                <a:latin typeface="var(--font-family-code)"/>
+                <a:hlinkClick r:id="rId2"/>
+              </a:rPr>
+              <a:t>ORDER BY</a:t>
+            </a:r>
+            <a:r>
+              <a:rPr kumimoji="0" lang="en-US" altLang="en-US" sz="1200" b="0" i="0" u="none" strike="noStrike" cap="none" normalizeH="0" baseline="0" dirty="0">
+                <a:ln>
+                  <a:noFill/>
+                </a:ln>
+                <a:solidFill>
+                  <a:srgbClr val="000000"/>
+                </a:solidFill>
+                <a:effectLst/>
+                <a:latin typeface="-apple-system"/>
+              </a:rPr>
+              <a:t> clause. </a:t>
+            </a:r>
+          </a:p>
+          <a:p>
+            <a:pPr marL="0" marR="0" lvl="0" indent="0" algn="l" defTabSz="914400" rtl="0" eaLnBrk="0" fontAlgn="base" latinLnBrk="0" hangingPunct="0">
+              <a:lnSpc>
+                <a:spcPct val="100000"/>
+              </a:lnSpc>
+              <a:spcBef>
+                <a:spcPct val="0"/>
+              </a:spcBef>
+              <a:spcAft>
+                <a:spcPct val="0"/>
+              </a:spcAft>
+              <a:buClrTx/>
+              <a:buSzTx/>
+              <a:buFontTx/>
+              <a:buNone/>
+              <a:tabLst/>
+            </a:pPr>
+            <a:r>
+              <a:rPr kumimoji="0" lang="en-US" altLang="en-US" sz="1200" b="0" i="0" u="none" strike="noStrike" cap="none" normalizeH="0" baseline="0" dirty="0">
+                <a:ln>
+                  <a:noFill/>
+                </a:ln>
+                <a:solidFill>
+                  <a:srgbClr val="000000"/>
+                </a:solidFill>
+                <a:effectLst/>
+                <a:latin typeface="-apple-system"/>
+              </a:rPr>
+              <a:t>They allow you to limit the number of rows to be returned by a </a:t>
+            </a:r>
+            <a:r>
+              <a:rPr kumimoji="0" lang="en-US" altLang="en-US" sz="1200" b="0" i="0" u="none" strike="noStrike" cap="none" normalizeH="0" baseline="0" dirty="0">
+                <a:ln>
+                  <a:noFill/>
+                </a:ln>
+                <a:solidFill>
+                  <a:schemeClr val="tx1"/>
+                </a:solidFill>
+                <a:effectLst/>
+                <a:latin typeface="-apple-system"/>
+                <a:hlinkClick r:id="rId3"/>
+              </a:rPr>
+              <a:t>query</a:t>
+            </a:r>
+            <a:r>
+              <a:rPr kumimoji="0" lang="en-US" altLang="en-US" sz="1200" b="0" i="0" u="none" strike="noStrike" cap="none" normalizeH="0" baseline="0" dirty="0">
+                <a:ln>
+                  <a:noFill/>
+                </a:ln>
+                <a:solidFill>
+                  <a:srgbClr val="000000"/>
+                </a:solidFill>
+                <a:effectLst/>
+                <a:latin typeface="-apple-system"/>
+              </a:rPr>
+              <a:t>.</a:t>
+            </a:r>
+            <a:r>
+              <a:rPr kumimoji="0" lang="en-US" altLang="en-US" sz="800" b="0" i="0" u="none" strike="noStrike" cap="none" normalizeH="0" baseline="0" dirty="0">
+                <a:ln>
+                  <a:noFill/>
+                </a:ln>
+                <a:solidFill>
+                  <a:schemeClr val="tx1"/>
+                </a:solidFill>
+                <a:effectLst/>
+              </a:rPr>
+              <a:t> </a:t>
+            </a:r>
+            <a:endParaRPr kumimoji="0" lang="en-US" altLang="en-US" sz="1800" b="0" i="0" u="none" strike="noStrike" cap="none" normalizeH="0" baseline="0" dirty="0">
+              <a:ln>
+                <a:noFill/>
+              </a:ln>
+              <a:solidFill>
+                <a:schemeClr val="tx1"/>
+              </a:solidFill>
+              <a:effectLst/>
+              <a:latin typeface="Arial" panose="020B0604020202020204" pitchFamily="34" charset="0"/>
+            </a:endParaRPr>
+          </a:p>
+        </p:txBody>
+      </p:sp>
+      <p:sp>
+        <p:nvSpPr>
+          <p:cNvPr id="5" name="TextBox 4">
+            <a:extLst>
+              <a:ext uri="{FF2B5EF4-FFF2-40B4-BE49-F238E27FC236}">
+                <a16:creationId xmlns:a16="http://schemas.microsoft.com/office/drawing/2014/main" id="{62241D87-2748-AF05-71CB-9DB4C11AD5CC}"/>
+              </a:ext>
+            </a:extLst>
+          </p:cNvPr>
+          <p:cNvSpPr txBox="1"/>
+          <p:nvPr/>
+        </p:nvSpPr>
+        <p:spPr>
+          <a:xfrm>
+            <a:off x="626301" y="2041742"/>
+            <a:ext cx="4096011" cy="2462213"/>
+          </a:xfrm>
+          <a:prstGeom prst="rect">
+            <a:avLst/>
+          </a:prstGeom>
+          <a:noFill/>
+        </p:spPr>
+        <p:txBody>
+          <a:bodyPr wrap="square" rtlCol="0">
+            <a:spAutoFit/>
+          </a:bodyPr>
+          <a:lstStyle/>
+          <a:p>
+            <a:r>
+              <a:rPr lang="en-IN" dirty="0"/>
+              <a:t>SELECT</a:t>
+            </a:r>
+          </a:p>
+          <a:p>
+            <a:r>
+              <a:rPr lang="en-IN" dirty="0"/>
+              <a:t>    </a:t>
+            </a:r>
+            <a:r>
+              <a:rPr lang="en-IN" dirty="0" err="1"/>
+              <a:t>product_name</a:t>
+            </a:r>
+            <a:r>
+              <a:rPr lang="en-IN" dirty="0"/>
+              <a:t>,</a:t>
+            </a:r>
+          </a:p>
+          <a:p>
+            <a:r>
+              <a:rPr lang="en-IN" dirty="0"/>
+              <a:t>    </a:t>
+            </a:r>
+            <a:r>
+              <a:rPr lang="en-IN" dirty="0" err="1"/>
+              <a:t>list_price</a:t>
+            </a:r>
+            <a:endParaRPr lang="en-IN" dirty="0"/>
+          </a:p>
+          <a:p>
+            <a:r>
+              <a:rPr lang="en-IN" dirty="0"/>
+              <a:t>FROM</a:t>
+            </a:r>
+          </a:p>
+          <a:p>
+            <a:r>
+              <a:rPr lang="en-IN" dirty="0"/>
+              <a:t>    </a:t>
+            </a:r>
+            <a:r>
+              <a:rPr lang="en-IN" dirty="0" err="1"/>
+              <a:t>production.products</a:t>
+            </a:r>
+            <a:endParaRPr lang="en-IN" dirty="0"/>
+          </a:p>
+          <a:p>
+            <a:r>
+              <a:rPr lang="en-IN" dirty="0"/>
+              <a:t>ORDER BY</a:t>
+            </a:r>
+          </a:p>
+          <a:p>
+            <a:r>
+              <a:rPr lang="en-IN" dirty="0"/>
+              <a:t>    </a:t>
+            </a:r>
+            <a:r>
+              <a:rPr lang="en-IN" dirty="0" err="1"/>
+              <a:t>list_price</a:t>
+            </a:r>
+            <a:r>
+              <a:rPr lang="en-IN" dirty="0"/>
+              <a:t>,</a:t>
+            </a:r>
+          </a:p>
+          <a:p>
+            <a:r>
+              <a:rPr lang="en-IN" dirty="0"/>
+              <a:t>    </a:t>
+            </a:r>
+            <a:r>
+              <a:rPr lang="en-IN" dirty="0" err="1"/>
+              <a:t>product_name</a:t>
+            </a:r>
+            <a:r>
+              <a:rPr lang="en-IN" dirty="0"/>
+              <a:t> </a:t>
+            </a:r>
+          </a:p>
+          <a:p>
+            <a:r>
+              <a:rPr lang="en-IN" dirty="0"/>
+              <a:t>OFFSET 10 ROWS </a:t>
+            </a:r>
+          </a:p>
+          <a:p>
+            <a:r>
+              <a:rPr lang="en-IN" dirty="0"/>
+              <a:t>FETCH NEXT 10 ROWS ONLY;</a:t>
+            </a:r>
+          </a:p>
+          <a:p>
+            <a:endParaRPr lang="en-IN" dirty="0"/>
+          </a:p>
+        </p:txBody>
+      </p:sp>
+    </p:spTree>
+    <p:extLst>
+      <p:ext uri="{BB962C8B-B14F-4D97-AF65-F5344CB8AC3E}">
+        <p14:creationId xmlns:p14="http://schemas.microsoft.com/office/powerpoint/2010/main" val="1099566260"/>
+      </p:ext>
+    </p:extLst>
+  </p:cSld>
+  <p:clrMapOvr>
+    <a:masterClrMapping/>
+  </p:clrMapOvr>
+</p:sld>
+</file>
+
 <file path=ppt/theme/theme1.xml><?xml version="1.0" encoding="utf-8"?>
 <a:theme xmlns:a="http://schemas.openxmlformats.org/drawingml/2006/main" name="Simple Light">
   <a:themeElements>

--- a/IIHT-Capgemini Big Data Azure Training-Slide.pptx
+++ b/IIHT-Capgemini Big Data Azure Training-Slide.pptx
@@ -6345,7 +6345,7 @@
         </p:nvSpPr>
         <p:spPr>
           <a:xfrm>
-            <a:off x="381300" y="685800"/>
+            <a:off x="381000" y="685800"/>
             <a:ext cx="6096000" cy="3429000"/>
           </a:xfrm>
           <a:custGeom>
@@ -24464,10 +24464,10 @@
               <a:buNone/>
             </a:pPr>
             <a:r>
-              <a:rPr lang="en-GB"/>
-              <a:t>Important SQL Commands (DDL) </a:t>
-            </a:r>
-            <a:endParaRPr/>
+              <a:rPr lang="en-GB" dirty="0"/>
+              <a:t>Important SQL Commands (DML) </a:t>
+            </a:r>
+            <a:endParaRPr dirty="0"/>
           </a:p>
         </p:txBody>
       </p:sp>
@@ -24507,10 +24507,10 @@
               <a:buChar char="●"/>
             </a:pPr>
             <a:r>
-              <a:rPr lang="en-GB"/>
+              <a:rPr lang="en-GB" dirty="0"/>
               <a:t>SELECT - extracts data from a database </a:t>
             </a:r>
-            <a:endParaRPr/>
+            <a:endParaRPr dirty="0"/>
           </a:p>
           <a:p>
             <a:pPr marL="457200" lvl="0" indent="-342900" algn="l" rtl="0">
@@ -24524,10 +24524,10 @@
               <a:buChar char="●"/>
             </a:pPr>
             <a:r>
-              <a:rPr lang="en-GB"/>
+              <a:rPr lang="en-GB" dirty="0"/>
               <a:t>UPDATE - updates data in a database </a:t>
             </a:r>
-            <a:endParaRPr/>
+            <a:endParaRPr dirty="0"/>
           </a:p>
           <a:p>
             <a:pPr marL="457200" lvl="0" indent="-342900" algn="l" rtl="0">
@@ -24541,10 +24541,10 @@
               <a:buChar char="●"/>
             </a:pPr>
             <a:r>
-              <a:rPr lang="en-GB"/>
+              <a:rPr lang="en-GB" dirty="0"/>
               <a:t>DELETE - deletes data from a database </a:t>
             </a:r>
-            <a:endParaRPr/>
+            <a:endParaRPr dirty="0"/>
           </a:p>
           <a:p>
             <a:pPr marL="457200" lvl="0" indent="-342900" algn="l" rtl="0">
@@ -24558,10 +24558,10 @@
               <a:buChar char="●"/>
             </a:pPr>
             <a:r>
-              <a:rPr lang="en-GB"/>
+              <a:rPr lang="en-GB" dirty="0"/>
               <a:t>INSERT INTO - inserts new data into a database</a:t>
             </a:r>
-            <a:endParaRPr/>
+            <a:endParaRPr dirty="0"/>
           </a:p>
           <a:p>
             <a:pPr marL="457200" lvl="0" indent="-342900" algn="l" rtl="0">
@@ -24575,10 +24575,10 @@
               <a:buChar char="●"/>
             </a:pPr>
             <a:r>
-              <a:rPr lang="en-GB"/>
+              <a:rPr lang="en-GB" dirty="0"/>
               <a:t>CREATE DATABASE - creates a new database </a:t>
             </a:r>
-            <a:endParaRPr/>
+            <a:endParaRPr dirty="0"/>
           </a:p>
         </p:txBody>
       </p:sp>
@@ -24642,10 +24642,10 @@
               <a:buNone/>
             </a:pPr>
             <a:r>
-              <a:rPr lang="en-GB"/>
-              <a:t>SQL Command (DML)</a:t>
-            </a:r>
-            <a:endParaRPr/>
+              <a:rPr lang="en-GB" dirty="0"/>
+              <a:t>SQL Command (DDL)</a:t>
+            </a:r>
+            <a:endParaRPr dirty="0"/>
           </a:p>
         </p:txBody>
       </p:sp>
